--- a/Igra_Morskoy_boy.pptx
+++ b/Igra_Morskoy_boy.pptx
@@ -1,21 +1,24 @@
 
 <file path=ppt/presentation.xml><?xml version="1.0" encoding="utf-8"?>
-<p:presentation xmlns:a="http://schemas.openxmlformats.org/drawingml/2006/main" xmlns:r="http://schemas.openxmlformats.org/officeDocument/2006/relationships" xmlns:p="http://schemas.openxmlformats.org/presentationml/2006/main" saveSubsetFonts="1">
+<p:presentation xmlns:a="http://schemas.openxmlformats.org/drawingml/2006/main" xmlns:r="http://schemas.openxmlformats.org/officeDocument/2006/relationships" xmlns:p="http://schemas.openxmlformats.org/presentationml/2006/main" autoCompressPictures="0">
   <p:sldMasterIdLst>
-    <p:sldMasterId id="2147483648" r:id="rId1"/>
+    <p:sldMasterId id="2147483696" r:id="rId1"/>
   </p:sldMasterIdLst>
   <p:sldIdLst>
     <p:sldId id="256" r:id="rId2"/>
-    <p:sldId id="257" r:id="rId3"/>
-    <p:sldId id="258" r:id="rId4"/>
+    <p:sldId id="258" r:id="rId3"/>
+    <p:sldId id="260" r:id="rId4"/>
+    <p:sldId id="259" r:id="rId5"/>
+    <p:sldId id="257" r:id="rId6"/>
+    <p:sldId id="261" r:id="rId7"/>
   </p:sldIdLst>
   <p:sldSz cx="12192000" cy="6858000"/>
   <p:notesSz cx="6858000" cy="9144000"/>
   <p:defaultTextStyle>
     <a:defPPr>
-      <a:defRPr lang="ru-RU"/>
+      <a:defRPr lang="en-US"/>
     </a:defPPr>
-    <a:lvl1pPr marL="0" algn="l" defTabSz="914400" rtl="0" eaLnBrk="1" latinLnBrk="0" hangingPunct="1">
+    <a:lvl1pPr marL="0" algn="l" defTabSz="457200" rtl="0" eaLnBrk="1" latinLnBrk="0" hangingPunct="1">
       <a:defRPr sz="1800" kern="1200">
         <a:solidFill>
           <a:schemeClr val="tx1"/>
@@ -25,7 +28,7 @@
         <a:cs typeface="+mn-cs"/>
       </a:defRPr>
     </a:lvl1pPr>
-    <a:lvl2pPr marL="457200" algn="l" defTabSz="914400" rtl="0" eaLnBrk="1" latinLnBrk="0" hangingPunct="1">
+    <a:lvl2pPr marL="457200" algn="l" defTabSz="457200" rtl="0" eaLnBrk="1" latinLnBrk="0" hangingPunct="1">
       <a:defRPr sz="1800" kern="1200">
         <a:solidFill>
           <a:schemeClr val="tx1"/>
@@ -35,7 +38,7 @@
         <a:cs typeface="+mn-cs"/>
       </a:defRPr>
     </a:lvl2pPr>
-    <a:lvl3pPr marL="914400" algn="l" defTabSz="914400" rtl="0" eaLnBrk="1" latinLnBrk="0" hangingPunct="1">
+    <a:lvl3pPr marL="914400" algn="l" defTabSz="457200" rtl="0" eaLnBrk="1" latinLnBrk="0" hangingPunct="1">
       <a:defRPr sz="1800" kern="1200">
         <a:solidFill>
           <a:schemeClr val="tx1"/>
@@ -45,7 +48,7 @@
         <a:cs typeface="+mn-cs"/>
       </a:defRPr>
     </a:lvl3pPr>
-    <a:lvl4pPr marL="1371600" algn="l" defTabSz="914400" rtl="0" eaLnBrk="1" latinLnBrk="0" hangingPunct="1">
+    <a:lvl4pPr marL="1371600" algn="l" defTabSz="457200" rtl="0" eaLnBrk="1" latinLnBrk="0" hangingPunct="1">
       <a:defRPr sz="1800" kern="1200">
         <a:solidFill>
           <a:schemeClr val="tx1"/>
@@ -55,7 +58,7 @@
         <a:cs typeface="+mn-cs"/>
       </a:defRPr>
     </a:lvl4pPr>
-    <a:lvl5pPr marL="1828800" algn="l" defTabSz="914400" rtl="0" eaLnBrk="1" latinLnBrk="0" hangingPunct="1">
+    <a:lvl5pPr marL="1828800" algn="l" defTabSz="457200" rtl="0" eaLnBrk="1" latinLnBrk="0" hangingPunct="1">
       <a:defRPr sz="1800" kern="1200">
         <a:solidFill>
           <a:schemeClr val="tx1"/>
@@ -65,7 +68,7 @@
         <a:cs typeface="+mn-cs"/>
       </a:defRPr>
     </a:lvl5pPr>
-    <a:lvl6pPr marL="2286000" algn="l" defTabSz="914400" rtl="0" eaLnBrk="1" latinLnBrk="0" hangingPunct="1">
+    <a:lvl6pPr marL="2286000" algn="l" defTabSz="457200" rtl="0" eaLnBrk="1" latinLnBrk="0" hangingPunct="1">
       <a:defRPr sz="1800" kern="1200">
         <a:solidFill>
           <a:schemeClr val="tx1"/>
@@ -75,7 +78,7 @@
         <a:cs typeface="+mn-cs"/>
       </a:defRPr>
     </a:lvl6pPr>
-    <a:lvl7pPr marL="2743200" algn="l" defTabSz="914400" rtl="0" eaLnBrk="1" latinLnBrk="0" hangingPunct="1">
+    <a:lvl7pPr marL="2743200" algn="l" defTabSz="457200" rtl="0" eaLnBrk="1" latinLnBrk="0" hangingPunct="1">
       <a:defRPr sz="1800" kern="1200">
         <a:solidFill>
           <a:schemeClr val="tx1"/>
@@ -85,7 +88,7 @@
         <a:cs typeface="+mn-cs"/>
       </a:defRPr>
     </a:lvl7pPr>
-    <a:lvl8pPr marL="3200400" algn="l" defTabSz="914400" rtl="0" eaLnBrk="1" latinLnBrk="0" hangingPunct="1">
+    <a:lvl8pPr marL="3200400" algn="l" defTabSz="457200" rtl="0" eaLnBrk="1" latinLnBrk="0" hangingPunct="1">
       <a:defRPr sz="1800" kern="1200">
         <a:solidFill>
           <a:schemeClr val="tx1"/>
@@ -95,7 +98,7 @@
         <a:cs typeface="+mn-cs"/>
       </a:defRPr>
     </a:lvl8pPr>
-    <a:lvl9pPr marL="3657600" algn="l" defTabSz="914400" rtl="0" eaLnBrk="1" latinLnBrk="0" hangingPunct="1">
+    <a:lvl9pPr marL="3657600" algn="l" defTabSz="457200" rtl="0" eaLnBrk="1" latinLnBrk="0" hangingPunct="1">
       <a:defRPr sz="1800" kern="1200">
         <a:solidFill>
           <a:schemeClr val="tx1"/>
@@ -112,6 +115,14 @@
 <file path=ppt/slideLayouts/slideLayout1.xml><?xml version="1.0" encoding="utf-8"?>
 <p:sldLayout xmlns:a="http://schemas.openxmlformats.org/drawingml/2006/main" xmlns:r="http://schemas.openxmlformats.org/officeDocument/2006/relationships" xmlns:p="http://schemas.openxmlformats.org/presentationml/2006/main" type="title" preserve="1">
   <p:cSld name="Титульный слайд">
+    <p:bg>
+      <p:bgPr>
+        <a:solidFill>
+          <a:schemeClr val="accent2"/>
+        </a:solidFill>
+        <a:effectLst/>
+      </p:bgPr>
+    </p:bg>
     <p:spTree>
       <p:nvGrpSpPr>
         <p:cNvPr id="1" name=""/>
@@ -128,58 +139,82 @@
       </p:grpSpPr>
       <p:sp>
         <p:nvSpPr>
-          <p:cNvPr id="2" name="Заголовок 1"/>
+          <p:cNvPr id="2" name="Title 1"/>
           <p:cNvSpPr>
             <a:spLocks noGrp="1"/>
           </p:cNvSpPr>
           <p:nvPr>
             <p:ph type="ctrTitle"/>
+          </p:nvPr>
+        </p:nvSpPr>
+        <p:spPr bwMode="blackWhite">
+          <a:xfrm>
+            <a:off x="1600200" y="2386744"/>
+            <a:ext cx="8991600" cy="1645920"/>
+          </a:xfrm>
+          <a:solidFill>
+            <a:srgbClr val="FFFFFF"/>
+          </a:solidFill>
+          <a:ln w="38100">
+            <a:solidFill>
+              <a:srgbClr val="404040"/>
+            </a:solidFill>
+          </a:ln>
+        </p:spPr>
+        <p:txBody>
+          <a:bodyPr lIns="274320" rIns="274320" anchor="ctr" anchorCtr="1">
+            <a:normAutofit/>
+          </a:bodyPr>
+          <a:lstStyle>
+            <a:lvl1pPr algn="ctr">
+              <a:defRPr sz="3800">
+                <a:solidFill>
+                  <a:srgbClr val="262626"/>
+                </a:solidFill>
+              </a:defRPr>
+            </a:lvl1pPr>
+          </a:lstStyle>
+          <a:p>
+            <a:r>
+              <a:rPr lang="ru-RU" smtClean="0"/>
+              <a:t>Образец заголовка</a:t>
+            </a:r>
+            <a:endParaRPr lang="en-US" dirty="0"/>
+          </a:p>
+        </p:txBody>
+      </p:sp>
+      <p:sp>
+        <p:nvSpPr>
+          <p:cNvPr id="3" name="Subtitle 2"/>
+          <p:cNvSpPr>
+            <a:spLocks noGrp="1"/>
+          </p:cNvSpPr>
+          <p:nvPr>
+            <p:ph type="subTitle" idx="1"/>
           </p:nvPr>
         </p:nvSpPr>
         <p:spPr>
           <a:xfrm>
-            <a:off x="1524000" y="1122363"/>
-            <a:ext cx="9144000" cy="2387600"/>
+            <a:off x="2695194" y="4352544"/>
+            <a:ext cx="6801612" cy="1239894"/>
           </a:xfrm>
+          <a:noFill/>
         </p:spPr>
         <p:txBody>
-          <a:bodyPr anchor="b"/>
-          <a:lstStyle>
-            <a:lvl1pPr algn="ctr">
-              <a:defRPr sz="6000"/>
-            </a:lvl1pPr>
-          </a:lstStyle>
-          <a:p>
-            <a:r>
-              <a:rPr lang="ru-RU" smtClean="0"/>
-              <a:t>Образец заголовка</a:t>
-            </a:r>
-            <a:endParaRPr lang="ru-RU"/>
-          </a:p>
-        </p:txBody>
-      </p:sp>
-      <p:sp>
-        <p:nvSpPr>
-          <p:cNvPr id="3" name="Подзаголовок 2"/>
-          <p:cNvSpPr>
-            <a:spLocks noGrp="1"/>
-          </p:cNvSpPr>
-          <p:nvPr>
-            <p:ph type="subTitle" idx="1"/>
-          </p:nvPr>
-        </p:nvSpPr>
-        <p:spPr>
-          <a:xfrm>
-            <a:off x="1524000" y="3602038"/>
-            <a:ext cx="9144000" cy="1655762"/>
-          </a:xfrm>
-        </p:spPr>
-        <p:txBody>
-          <a:bodyPr/>
+          <a:bodyPr>
+            <a:normAutofit/>
+          </a:bodyPr>
           <a:lstStyle>
             <a:lvl1pPr marL="0" indent="0" algn="ctr">
               <a:buNone/>
-              <a:defRPr sz="2400"/>
+              <a:defRPr sz="2000">
+                <a:solidFill>
+                  <a:schemeClr val="tx1">
+                    <a:lumMod val="75000"/>
+                    <a:lumOff val="25000"/>
+                  </a:schemeClr>
+                </a:solidFill>
+              </a:defRPr>
             </a:lvl1pPr>
             <a:lvl2pPr marL="457200" indent="0" algn="ctr">
               <a:buNone/>
@@ -219,13 +254,13 @@
               <a:rPr lang="ru-RU" smtClean="0"/>
               <a:t>Образец подзаголовка</a:t>
             </a:r>
-            <a:endParaRPr lang="ru-RU"/>
-          </a:p>
-        </p:txBody>
-      </p:sp>
-      <p:sp>
-        <p:nvSpPr>
-          <p:cNvPr id="4" name="Дата 3"/>
+            <a:endParaRPr lang="en-US" dirty="0"/>
+          </a:p>
+        </p:txBody>
+      </p:sp>
+      <p:sp>
+        <p:nvSpPr>
+          <p:cNvPr id="7" name="Date Placeholder 6"/>
           <p:cNvSpPr>
             <a:spLocks noGrp="1"/>
           </p:cNvSpPr>
@@ -238,17 +273,17 @@
           <a:bodyPr/>
           <a:lstStyle/>
           <a:p>
-            <a:fld id="{E849FCD7-4D3E-4190-AF57-0940B9CEE364}" type="datetimeFigureOut">
-              <a:rPr lang="ru-RU" smtClean="0"/>
-              <a:t>19.01.2022</a:t>
+            <a:fld id="{1160EA64-D806-43AC-9DF2-F8C432F32B4C}" type="datetimeFigureOut">
+              <a:rPr lang="en-US" dirty="0"/>
+              <a:t>2/27/2022</a:t>
             </a:fld>
-            <a:endParaRPr lang="ru-RU"/>
-          </a:p>
-        </p:txBody>
-      </p:sp>
-      <p:sp>
-        <p:nvSpPr>
-          <p:cNvPr id="5" name="Нижний колонтитул 4"/>
+            <a:endParaRPr lang="en-US" dirty="0"/>
+          </a:p>
+        </p:txBody>
+      </p:sp>
+      <p:sp>
+        <p:nvSpPr>
+          <p:cNvPr id="8" name="Footer Placeholder 7"/>
           <p:cNvSpPr>
             <a:spLocks noGrp="1"/>
           </p:cNvSpPr>
@@ -261,13 +296,13 @@
           <a:bodyPr/>
           <a:lstStyle/>
           <a:p>
-            <a:endParaRPr lang="ru-RU"/>
-          </a:p>
-        </p:txBody>
-      </p:sp>
-      <p:sp>
-        <p:nvSpPr>
-          <p:cNvPr id="6" name="Номер слайда 5"/>
+            <a:endParaRPr lang="en-US" dirty="0"/>
+          </a:p>
+        </p:txBody>
+      </p:sp>
+      <p:sp>
+        <p:nvSpPr>
+          <p:cNvPr id="9" name="Slide Number Placeholder 8"/>
           <p:cNvSpPr>
             <a:spLocks noGrp="1"/>
           </p:cNvSpPr>
@@ -280,23 +315,19 @@
           <a:bodyPr/>
           <a:lstStyle/>
           <a:p>
-            <a:fld id="{B9444791-7B10-4673-8509-35F9258AD4C1}" type="slidenum">
-              <a:rPr lang="ru-RU" smtClean="0"/>
+            <a:fld id="{8A7A6979-0714-4377-B894-6BE4C2D6E202}" type="slidenum">
+              <a:rPr lang="en-US" dirty="0"/>
+              <a:pPr/>
               <a:t>‹#›</a:t>
             </a:fld>
-            <a:endParaRPr lang="ru-RU"/>
+            <a:endParaRPr lang="en-US" dirty="0"/>
           </a:p>
         </p:txBody>
       </p:sp>
     </p:spTree>
-    <p:extLst>
-      <p:ext uri="{BB962C8B-B14F-4D97-AF65-F5344CB8AC3E}">
-        <p14:creationId xmlns:p14="http://schemas.microsoft.com/office/powerpoint/2010/main" val="2189766040"/>
-      </p:ext>
-    </p:extLst>
   </p:cSld>
   <p:clrMapOvr>
-    <a:masterClrMapping/>
+    <a:overrideClrMapping bg1="dk1" tx1="lt1" bg2="dk2" tx2="lt2" accent1="accent1" accent2="accent2" accent3="accent3" accent4="accent4" accent5="accent5" accent6="accent6" hlink="hlink" folHlink="folHlink"/>
   </p:clrMapOvr>
 </p:sldLayout>
 </file>
@@ -320,7 +351,7 @@
       </p:grpSpPr>
       <p:sp>
         <p:nvSpPr>
-          <p:cNvPr id="2" name="Заголовок 1"/>
+          <p:cNvPr id="2" name="Title 1"/>
           <p:cNvSpPr>
             <a:spLocks noGrp="1"/>
           </p:cNvSpPr>
@@ -337,13 +368,13 @@
               <a:rPr lang="ru-RU" smtClean="0"/>
               <a:t>Образец заголовка</a:t>
             </a:r>
-            <a:endParaRPr lang="ru-RU"/>
-          </a:p>
-        </p:txBody>
-      </p:sp>
-      <p:sp>
-        <p:nvSpPr>
-          <p:cNvPr id="3" name="Вертикальный текст 2"/>
+            <a:endParaRPr lang="en-US" dirty="0"/>
+          </a:p>
+        </p:txBody>
+      </p:sp>
+      <p:sp>
+        <p:nvSpPr>
+          <p:cNvPr id="3" name="Vertical Text Placeholder 2"/>
           <p:cNvSpPr>
             <a:spLocks noGrp="1"/>
           </p:cNvSpPr>
@@ -389,13 +420,13 @@
               <a:rPr lang="ru-RU" smtClean="0"/>
               <a:t>Пятый уровень</a:t>
             </a:r>
-            <a:endParaRPr lang="ru-RU"/>
-          </a:p>
-        </p:txBody>
-      </p:sp>
-      <p:sp>
-        <p:nvSpPr>
-          <p:cNvPr id="4" name="Дата 3"/>
+            <a:endParaRPr lang="en-US" dirty="0"/>
+          </a:p>
+        </p:txBody>
+      </p:sp>
+      <p:sp>
+        <p:nvSpPr>
+          <p:cNvPr id="4" name="Date Placeholder 3"/>
           <p:cNvSpPr>
             <a:spLocks noGrp="1"/>
           </p:cNvSpPr>
@@ -408,17 +439,17 @@
           <a:bodyPr/>
           <a:lstStyle/>
           <a:p>
-            <a:fld id="{E849FCD7-4D3E-4190-AF57-0940B9CEE364}" type="datetimeFigureOut">
-              <a:rPr lang="ru-RU" smtClean="0"/>
-              <a:t>19.01.2022</a:t>
+            <a:fld id="{E9F9C37B-1D36-470B-8223-D6C91242EC14}" type="datetimeFigureOut">
+              <a:rPr lang="en-US" dirty="0"/>
+              <a:t>2/27/2022</a:t>
             </a:fld>
-            <a:endParaRPr lang="ru-RU"/>
-          </a:p>
-        </p:txBody>
-      </p:sp>
-      <p:sp>
-        <p:nvSpPr>
-          <p:cNvPr id="5" name="Нижний колонтитул 4"/>
+            <a:endParaRPr lang="en-US" dirty="0"/>
+          </a:p>
+        </p:txBody>
+      </p:sp>
+      <p:sp>
+        <p:nvSpPr>
+          <p:cNvPr id="5" name="Footer Placeholder 4"/>
           <p:cNvSpPr>
             <a:spLocks noGrp="1"/>
           </p:cNvSpPr>
@@ -431,13 +462,13 @@
           <a:bodyPr/>
           <a:lstStyle/>
           <a:p>
-            <a:endParaRPr lang="ru-RU"/>
-          </a:p>
-        </p:txBody>
-      </p:sp>
-      <p:sp>
-        <p:nvSpPr>
-          <p:cNvPr id="6" name="Номер слайда 5"/>
+            <a:endParaRPr lang="en-US" dirty="0"/>
+          </a:p>
+        </p:txBody>
+      </p:sp>
+      <p:sp>
+        <p:nvSpPr>
+          <p:cNvPr id="6" name="Slide Number Placeholder 5"/>
           <p:cNvSpPr>
             <a:spLocks noGrp="1"/>
           </p:cNvSpPr>
@@ -450,20 +481,15 @@
           <a:bodyPr/>
           <a:lstStyle/>
           <a:p>
-            <a:fld id="{B9444791-7B10-4673-8509-35F9258AD4C1}" type="slidenum">
-              <a:rPr lang="ru-RU" smtClean="0"/>
+            <a:fld id="{8A7A6979-0714-4377-B894-6BE4C2D6E202}" type="slidenum">
+              <a:rPr lang="en-US" dirty="0"/>
               <a:t>‹#›</a:t>
             </a:fld>
-            <a:endParaRPr lang="ru-RU"/>
+            <a:endParaRPr lang="en-US" dirty="0"/>
           </a:p>
         </p:txBody>
       </p:sp>
     </p:spTree>
-    <p:extLst>
-      <p:ext uri="{BB962C8B-B14F-4D97-AF65-F5344CB8AC3E}">
-        <p14:creationId xmlns:p14="http://schemas.microsoft.com/office/powerpoint/2010/main" val="864918456"/>
-      </p:ext>
-    </p:extLst>
   </p:cSld>
   <p:clrMapOvr>
     <a:masterClrMapping/>
@@ -490,7 +516,7 @@
       </p:grpSpPr>
       <p:sp>
         <p:nvSpPr>
-          <p:cNvPr id="2" name="Вертикальный заголовок 1"/>
+          <p:cNvPr id="2" name="Vertical Title 1"/>
           <p:cNvSpPr>
             <a:spLocks noGrp="1"/>
           </p:cNvSpPr>
@@ -500,8 +526,8 @@
         </p:nvSpPr>
         <p:spPr>
           <a:xfrm>
-            <a:off x="8724900" y="365125"/>
-            <a:ext cx="2628900" cy="5811838"/>
+            <a:off x="8653112" y="937260"/>
+            <a:ext cx="1298608" cy="4983480"/>
           </a:xfrm>
         </p:spPr>
         <p:txBody>
@@ -512,13 +538,13 @@
               <a:rPr lang="ru-RU" smtClean="0"/>
               <a:t>Образец заголовка</a:t>
             </a:r>
-            <a:endParaRPr lang="ru-RU"/>
-          </a:p>
-        </p:txBody>
-      </p:sp>
-      <p:sp>
-        <p:nvSpPr>
-          <p:cNvPr id="3" name="Вертикальный текст 2"/>
+            <a:endParaRPr lang="en-US" dirty="0"/>
+          </a:p>
+        </p:txBody>
+      </p:sp>
+      <p:sp>
+        <p:nvSpPr>
+          <p:cNvPr id="3" name="Vertical Text Placeholder 2"/>
           <p:cNvSpPr>
             <a:spLocks noGrp="1"/>
           </p:cNvSpPr>
@@ -528,8 +554,8 @@
         </p:nvSpPr>
         <p:spPr>
           <a:xfrm>
-            <a:off x="838200" y="365125"/>
-            <a:ext cx="7734300" cy="5811838"/>
+            <a:off x="2231136" y="937260"/>
+            <a:ext cx="6198489" cy="4983480"/>
           </a:xfrm>
         </p:spPr>
         <p:txBody>
@@ -569,13 +595,13 @@
               <a:rPr lang="ru-RU" smtClean="0"/>
               <a:t>Пятый уровень</a:t>
             </a:r>
-            <a:endParaRPr lang="ru-RU"/>
-          </a:p>
-        </p:txBody>
-      </p:sp>
-      <p:sp>
-        <p:nvSpPr>
-          <p:cNvPr id="4" name="Дата 3"/>
+            <a:endParaRPr lang="en-US" dirty="0"/>
+          </a:p>
+        </p:txBody>
+      </p:sp>
+      <p:sp>
+        <p:nvSpPr>
+          <p:cNvPr id="4" name="Date Placeholder 3"/>
           <p:cNvSpPr>
             <a:spLocks noGrp="1"/>
           </p:cNvSpPr>
@@ -588,17 +614,17 @@
           <a:bodyPr/>
           <a:lstStyle/>
           <a:p>
-            <a:fld id="{E849FCD7-4D3E-4190-AF57-0940B9CEE364}" type="datetimeFigureOut">
-              <a:rPr lang="ru-RU" smtClean="0"/>
-              <a:t>19.01.2022</a:t>
+            <a:fld id="{67C6F52A-A82B-47A2-A83A-8C4C91F2D59F}" type="datetimeFigureOut">
+              <a:rPr lang="en-US" dirty="0"/>
+              <a:t>2/27/2022</a:t>
             </a:fld>
-            <a:endParaRPr lang="ru-RU"/>
-          </a:p>
-        </p:txBody>
-      </p:sp>
-      <p:sp>
-        <p:nvSpPr>
-          <p:cNvPr id="5" name="Нижний колонтитул 4"/>
+            <a:endParaRPr lang="en-US" dirty="0"/>
+          </a:p>
+        </p:txBody>
+      </p:sp>
+      <p:sp>
+        <p:nvSpPr>
+          <p:cNvPr id="5" name="Footer Placeholder 4"/>
           <p:cNvSpPr>
             <a:spLocks noGrp="1"/>
           </p:cNvSpPr>
@@ -611,13 +637,13 @@
           <a:bodyPr/>
           <a:lstStyle/>
           <a:p>
-            <a:endParaRPr lang="ru-RU"/>
-          </a:p>
-        </p:txBody>
-      </p:sp>
-      <p:sp>
-        <p:nvSpPr>
-          <p:cNvPr id="6" name="Номер слайда 5"/>
+            <a:endParaRPr lang="en-US" dirty="0"/>
+          </a:p>
+        </p:txBody>
+      </p:sp>
+      <p:sp>
+        <p:nvSpPr>
+          <p:cNvPr id="6" name="Slide Number Placeholder 5"/>
           <p:cNvSpPr>
             <a:spLocks noGrp="1"/>
           </p:cNvSpPr>
@@ -630,20 +656,15 @@
           <a:bodyPr/>
           <a:lstStyle/>
           <a:p>
-            <a:fld id="{B9444791-7B10-4673-8509-35F9258AD4C1}" type="slidenum">
-              <a:rPr lang="ru-RU" smtClean="0"/>
+            <a:fld id="{8A7A6979-0714-4377-B894-6BE4C2D6E202}" type="slidenum">
+              <a:rPr lang="en-US" dirty="0"/>
               <a:t>‹#›</a:t>
             </a:fld>
-            <a:endParaRPr lang="ru-RU"/>
+            <a:endParaRPr lang="en-US" dirty="0"/>
           </a:p>
         </p:txBody>
       </p:sp>
     </p:spTree>
-    <p:extLst>
-      <p:ext uri="{BB962C8B-B14F-4D97-AF65-F5344CB8AC3E}">
-        <p14:creationId xmlns:p14="http://schemas.microsoft.com/office/powerpoint/2010/main" val="477320682"/>
-      </p:ext>
-    </p:extLst>
   </p:cSld>
   <p:clrMapOvr>
     <a:masterClrMapping/>
@@ -670,7 +691,7 @@
       </p:grpSpPr>
       <p:sp>
         <p:nvSpPr>
-          <p:cNvPr id="2" name="Заголовок 1"/>
+          <p:cNvPr id="2" name="Title 1"/>
           <p:cNvSpPr>
             <a:spLocks noGrp="1"/>
           </p:cNvSpPr>
@@ -687,13 +708,13 @@
               <a:rPr lang="ru-RU" smtClean="0"/>
               <a:t>Образец заголовка</a:t>
             </a:r>
-            <a:endParaRPr lang="ru-RU"/>
-          </a:p>
-        </p:txBody>
-      </p:sp>
-      <p:sp>
-        <p:nvSpPr>
-          <p:cNvPr id="3" name="Объект 2"/>
+            <a:endParaRPr lang="en-US" dirty="0"/>
+          </a:p>
+        </p:txBody>
+      </p:sp>
+      <p:sp>
+        <p:nvSpPr>
+          <p:cNvPr id="3" name="Content Placeholder 2"/>
           <p:cNvSpPr>
             <a:spLocks noGrp="1"/>
           </p:cNvSpPr>
@@ -739,13 +760,13 @@
               <a:rPr lang="ru-RU" smtClean="0"/>
               <a:t>Пятый уровень</a:t>
             </a:r>
-            <a:endParaRPr lang="ru-RU"/>
-          </a:p>
-        </p:txBody>
-      </p:sp>
-      <p:sp>
-        <p:nvSpPr>
-          <p:cNvPr id="4" name="Дата 3"/>
+            <a:endParaRPr lang="en-US" dirty="0"/>
+          </a:p>
+        </p:txBody>
+      </p:sp>
+      <p:sp>
+        <p:nvSpPr>
+          <p:cNvPr id="7" name="Date Placeholder 6"/>
           <p:cNvSpPr>
             <a:spLocks noGrp="1"/>
           </p:cNvSpPr>
@@ -758,17 +779,17 @@
           <a:bodyPr/>
           <a:lstStyle/>
           <a:p>
-            <a:fld id="{E849FCD7-4D3E-4190-AF57-0940B9CEE364}" type="datetimeFigureOut">
-              <a:rPr lang="ru-RU" smtClean="0"/>
-              <a:t>19.01.2022</a:t>
+            <a:fld id="{F070A7B3-6521-4DCA-87E5-044747A908C1}" type="datetimeFigureOut">
+              <a:rPr lang="en-US" dirty="0"/>
+              <a:t>2/27/2022</a:t>
             </a:fld>
-            <a:endParaRPr lang="ru-RU"/>
-          </a:p>
-        </p:txBody>
-      </p:sp>
-      <p:sp>
-        <p:nvSpPr>
-          <p:cNvPr id="5" name="Нижний колонтитул 4"/>
+            <a:endParaRPr lang="en-US" dirty="0"/>
+          </a:p>
+        </p:txBody>
+      </p:sp>
+      <p:sp>
+        <p:nvSpPr>
+          <p:cNvPr id="8" name="Footer Placeholder 7"/>
           <p:cNvSpPr>
             <a:spLocks noGrp="1"/>
           </p:cNvSpPr>
@@ -781,13 +802,13 @@
           <a:bodyPr/>
           <a:lstStyle/>
           <a:p>
-            <a:endParaRPr lang="ru-RU"/>
-          </a:p>
-        </p:txBody>
-      </p:sp>
-      <p:sp>
-        <p:nvSpPr>
-          <p:cNvPr id="6" name="Номер слайда 5"/>
+            <a:endParaRPr lang="en-US" dirty="0"/>
+          </a:p>
+        </p:txBody>
+      </p:sp>
+      <p:sp>
+        <p:nvSpPr>
+          <p:cNvPr id="9" name="Slide Number Placeholder 8"/>
           <p:cNvSpPr>
             <a:spLocks noGrp="1"/>
           </p:cNvSpPr>
@@ -800,20 +821,16 @@
           <a:bodyPr/>
           <a:lstStyle/>
           <a:p>
-            <a:fld id="{B9444791-7B10-4673-8509-35F9258AD4C1}" type="slidenum">
-              <a:rPr lang="ru-RU" smtClean="0"/>
+            <a:fld id="{8A7A6979-0714-4377-B894-6BE4C2D6E202}" type="slidenum">
+              <a:rPr lang="en-US" dirty="0"/>
+              <a:pPr/>
               <a:t>‹#›</a:t>
             </a:fld>
-            <a:endParaRPr lang="ru-RU"/>
+            <a:endParaRPr lang="en-US" dirty="0"/>
           </a:p>
         </p:txBody>
       </p:sp>
     </p:spTree>
-    <p:extLst>
-      <p:ext uri="{BB962C8B-B14F-4D97-AF65-F5344CB8AC3E}">
-        <p14:creationId xmlns:p14="http://schemas.microsoft.com/office/powerpoint/2010/main" val="3007454339"/>
-      </p:ext>
-    </p:extLst>
   </p:cSld>
   <p:clrMapOvr>
     <a:masterClrMapping/>
@@ -824,6 +841,14 @@
 <file path=ppt/slideLayouts/slideLayout3.xml><?xml version="1.0" encoding="utf-8"?>
 <p:sldLayout xmlns:a="http://schemas.openxmlformats.org/drawingml/2006/main" xmlns:r="http://schemas.openxmlformats.org/officeDocument/2006/relationships" xmlns:p="http://schemas.openxmlformats.org/presentationml/2006/main" type="secHead" preserve="1">
   <p:cSld name="Заголовок раздела">
+    <p:bg>
+      <p:bgPr>
+        <a:solidFill>
+          <a:schemeClr val="accent1"/>
+        </a:solidFill>
+        <a:effectLst/>
+      </p:bgPr>
+    </p:bg>
     <p:spTree>
       <p:nvGrpSpPr>
         <p:cNvPr id="1" name=""/>
@@ -840,62 +865,76 @@
       </p:grpSpPr>
       <p:sp>
         <p:nvSpPr>
-          <p:cNvPr id="2" name="Заголовок 1"/>
+          <p:cNvPr id="2" name="Title 1"/>
           <p:cNvSpPr>
             <a:spLocks noGrp="1"/>
           </p:cNvSpPr>
           <p:nvPr>
             <p:ph type="title"/>
+          </p:nvPr>
+        </p:nvSpPr>
+        <p:spPr bwMode="blackWhite">
+          <a:xfrm>
+            <a:off x="1600200" y="2386744"/>
+            <a:ext cx="8991600" cy="1645920"/>
+          </a:xfrm>
+          <a:solidFill>
+            <a:srgbClr val="FFFFFF"/>
+          </a:solidFill>
+          <a:ln w="38100">
+            <a:solidFill>
+              <a:srgbClr val="404040"/>
+            </a:solidFill>
+          </a:ln>
+        </p:spPr>
+        <p:txBody>
+          <a:bodyPr lIns="274320" rIns="274320" anchor="ctr" anchorCtr="1">
+            <a:normAutofit/>
+          </a:bodyPr>
+          <a:lstStyle>
+            <a:lvl1pPr>
+              <a:defRPr sz="3800">
+                <a:solidFill>
+                  <a:srgbClr val="262626"/>
+                </a:solidFill>
+              </a:defRPr>
+            </a:lvl1pPr>
+          </a:lstStyle>
+          <a:p>
+            <a:r>
+              <a:rPr lang="ru-RU" smtClean="0"/>
+              <a:t>Образец заголовка</a:t>
+            </a:r>
+            <a:endParaRPr lang="en-US" dirty="0"/>
+          </a:p>
+        </p:txBody>
+      </p:sp>
+      <p:sp>
+        <p:nvSpPr>
+          <p:cNvPr id="3" name="Text Placeholder 2"/>
+          <p:cNvSpPr>
+            <a:spLocks noGrp="1"/>
+          </p:cNvSpPr>
+          <p:nvPr>
+            <p:ph type="body" idx="1"/>
           </p:nvPr>
         </p:nvSpPr>
         <p:spPr>
           <a:xfrm>
-            <a:off x="831850" y="1709738"/>
-            <a:ext cx="10515600" cy="2852737"/>
+            <a:off x="2695194" y="4352465"/>
+            <a:ext cx="6801612" cy="1265082"/>
           </a:xfrm>
         </p:spPr>
         <p:txBody>
-          <a:bodyPr anchor="b"/>
-          <a:lstStyle>
-            <a:lvl1pPr>
-              <a:defRPr sz="6000"/>
-            </a:lvl1pPr>
-          </a:lstStyle>
-          <a:p>
-            <a:r>
-              <a:rPr lang="ru-RU" smtClean="0"/>
-              <a:t>Образец заголовка</a:t>
-            </a:r>
-            <a:endParaRPr lang="ru-RU"/>
-          </a:p>
-        </p:txBody>
-      </p:sp>
-      <p:sp>
-        <p:nvSpPr>
-          <p:cNvPr id="3" name="Текст 2"/>
-          <p:cNvSpPr>
-            <a:spLocks noGrp="1"/>
-          </p:cNvSpPr>
-          <p:nvPr>
-            <p:ph type="body" idx="1"/>
-          </p:nvPr>
-        </p:nvSpPr>
-        <p:spPr>
-          <a:xfrm>
-            <a:off x="831850" y="4589463"/>
-            <a:ext cx="10515600" cy="1500187"/>
-          </a:xfrm>
-        </p:spPr>
-        <p:txBody>
-          <a:bodyPr/>
+          <a:bodyPr anchor="t" anchorCtr="1">
+            <a:normAutofit/>
+          </a:bodyPr>
           <a:lstStyle>
             <a:lvl1pPr marL="0" indent="0">
               <a:buNone/>
-              <a:defRPr sz="2400">
+              <a:defRPr sz="2000">
                 <a:solidFill>
-                  <a:schemeClr val="tx1">
-                    <a:tint val="75000"/>
-                  </a:schemeClr>
+                  <a:schemeClr val="tx1"/>
                 </a:solidFill>
               </a:defRPr>
             </a:lvl1pPr>
@@ -991,7 +1030,7 @@
       </p:sp>
       <p:sp>
         <p:nvSpPr>
-          <p:cNvPr id="4" name="Дата 3"/>
+          <p:cNvPr id="7" name="Date Placeholder 6"/>
           <p:cNvSpPr>
             <a:spLocks noGrp="1"/>
           </p:cNvSpPr>
@@ -1004,17 +1043,17 @@
           <a:bodyPr/>
           <a:lstStyle/>
           <a:p>
-            <a:fld id="{E849FCD7-4D3E-4190-AF57-0940B9CEE364}" type="datetimeFigureOut">
-              <a:rPr lang="ru-RU" smtClean="0"/>
-              <a:t>19.01.2022</a:t>
+            <a:fld id="{1160EA64-D806-43AC-9DF2-F8C432F32B4C}" type="datetimeFigureOut">
+              <a:rPr lang="en-US" dirty="0"/>
+              <a:t>2/27/2022</a:t>
             </a:fld>
-            <a:endParaRPr lang="ru-RU"/>
-          </a:p>
-        </p:txBody>
-      </p:sp>
-      <p:sp>
-        <p:nvSpPr>
-          <p:cNvPr id="5" name="Нижний колонтитул 4"/>
+            <a:endParaRPr lang="en-US" dirty="0"/>
+          </a:p>
+        </p:txBody>
+      </p:sp>
+      <p:sp>
+        <p:nvSpPr>
+          <p:cNvPr id="8" name="Footer Placeholder 7"/>
           <p:cNvSpPr>
             <a:spLocks noGrp="1"/>
           </p:cNvSpPr>
@@ -1027,13 +1066,13 @@
           <a:bodyPr/>
           <a:lstStyle/>
           <a:p>
-            <a:endParaRPr lang="ru-RU"/>
-          </a:p>
-        </p:txBody>
-      </p:sp>
-      <p:sp>
-        <p:nvSpPr>
-          <p:cNvPr id="6" name="Номер слайда 5"/>
+            <a:endParaRPr lang="en-US" dirty="0"/>
+          </a:p>
+        </p:txBody>
+      </p:sp>
+      <p:sp>
+        <p:nvSpPr>
+          <p:cNvPr id="9" name="Slide Number Placeholder 8"/>
           <p:cNvSpPr>
             <a:spLocks noGrp="1"/>
           </p:cNvSpPr>
@@ -1046,23 +1085,19 @@
           <a:bodyPr/>
           <a:lstStyle/>
           <a:p>
-            <a:fld id="{B9444791-7B10-4673-8509-35F9258AD4C1}" type="slidenum">
-              <a:rPr lang="ru-RU" smtClean="0"/>
+            <a:fld id="{8A7A6979-0714-4377-B894-6BE4C2D6E202}" type="slidenum">
+              <a:rPr lang="en-US" dirty="0"/>
+              <a:pPr/>
               <a:t>‹#›</a:t>
             </a:fld>
-            <a:endParaRPr lang="ru-RU"/>
+            <a:endParaRPr lang="en-US" dirty="0"/>
           </a:p>
         </p:txBody>
       </p:sp>
     </p:spTree>
-    <p:extLst>
-      <p:ext uri="{BB962C8B-B14F-4D97-AF65-F5344CB8AC3E}">
-        <p14:creationId xmlns:p14="http://schemas.microsoft.com/office/powerpoint/2010/main" val="1519658991"/>
-      </p:ext>
-    </p:extLst>
   </p:cSld>
   <p:clrMapOvr>
-    <a:masterClrMapping/>
+    <a:overrideClrMapping bg1="dk1" tx1="lt1" bg2="dk2" tx2="lt2" accent1="accent1" accent2="accent2" accent3="accent3" accent4="accent4" accent5="accent5" accent6="accent6" hlink="hlink" folHlink="folHlink"/>
   </p:clrMapOvr>
 </p:sldLayout>
 </file>
@@ -1086,7 +1121,7 @@
       </p:grpSpPr>
       <p:sp>
         <p:nvSpPr>
-          <p:cNvPr id="2" name="Заголовок 1"/>
+          <p:cNvPr id="2" name="Title 1"/>
           <p:cNvSpPr>
             <a:spLocks noGrp="1"/>
           </p:cNvSpPr>
@@ -1103,13 +1138,13 @@
               <a:rPr lang="ru-RU" smtClean="0"/>
               <a:t>Образец заголовка</a:t>
             </a:r>
-            <a:endParaRPr lang="ru-RU"/>
-          </a:p>
-        </p:txBody>
-      </p:sp>
-      <p:sp>
-        <p:nvSpPr>
-          <p:cNvPr id="3" name="Объект 2"/>
+            <a:endParaRPr lang="en-US" dirty="0"/>
+          </a:p>
+        </p:txBody>
+      </p:sp>
+      <p:sp>
+        <p:nvSpPr>
+          <p:cNvPr id="3" name="Content Placeholder 2"/>
           <p:cNvSpPr>
             <a:spLocks noGrp="1"/>
           </p:cNvSpPr>
@@ -1119,8 +1154,8 @@
         </p:nvSpPr>
         <p:spPr>
           <a:xfrm>
-            <a:off x="838200" y="1825625"/>
-            <a:ext cx="5181600" cy="4351338"/>
+            <a:off x="1581912" y="2638044"/>
+            <a:ext cx="4271771" cy="3101982"/>
           </a:xfrm>
         </p:spPr>
         <p:txBody>
@@ -1160,13 +1195,13 @@
               <a:rPr lang="ru-RU" smtClean="0"/>
               <a:t>Пятый уровень</a:t>
             </a:r>
-            <a:endParaRPr lang="ru-RU"/>
-          </a:p>
-        </p:txBody>
-      </p:sp>
-      <p:sp>
-        <p:nvSpPr>
-          <p:cNvPr id="4" name="Объект 3"/>
+            <a:endParaRPr lang="en-US" dirty="0"/>
+          </a:p>
+        </p:txBody>
+      </p:sp>
+      <p:sp>
+        <p:nvSpPr>
+          <p:cNvPr id="4" name="Content Placeholder 3"/>
           <p:cNvSpPr>
             <a:spLocks noGrp="1"/>
           </p:cNvSpPr>
@@ -1176,8 +1211,8 @@
         </p:nvSpPr>
         <p:spPr>
           <a:xfrm>
-            <a:off x="6172200" y="1825625"/>
-            <a:ext cx="5181600" cy="4351338"/>
+            <a:off x="6338315" y="2638044"/>
+            <a:ext cx="4270247" cy="3101982"/>
           </a:xfrm>
         </p:spPr>
         <p:txBody>
@@ -1217,13 +1252,13 @@
               <a:rPr lang="ru-RU" smtClean="0"/>
               <a:t>Пятый уровень</a:t>
             </a:r>
-            <a:endParaRPr lang="ru-RU"/>
-          </a:p>
-        </p:txBody>
-      </p:sp>
-      <p:sp>
-        <p:nvSpPr>
-          <p:cNvPr id="5" name="Дата 4"/>
+            <a:endParaRPr lang="en-US" dirty="0"/>
+          </a:p>
+        </p:txBody>
+      </p:sp>
+      <p:sp>
+        <p:nvSpPr>
+          <p:cNvPr id="8" name="Date Placeholder 7"/>
           <p:cNvSpPr>
             <a:spLocks noGrp="1"/>
           </p:cNvSpPr>
@@ -1236,17 +1271,17 @@
           <a:bodyPr/>
           <a:lstStyle/>
           <a:p>
-            <a:fld id="{E849FCD7-4D3E-4190-AF57-0940B9CEE364}" type="datetimeFigureOut">
-              <a:rPr lang="ru-RU" smtClean="0"/>
-              <a:t>19.01.2022</a:t>
+            <a:fld id="{AB134690-1557-4C89-A502-4959FE7FAD70}" type="datetimeFigureOut">
+              <a:rPr lang="en-US" dirty="0"/>
+              <a:t>2/27/2022</a:t>
             </a:fld>
-            <a:endParaRPr lang="ru-RU"/>
-          </a:p>
-        </p:txBody>
-      </p:sp>
-      <p:sp>
-        <p:nvSpPr>
-          <p:cNvPr id="6" name="Нижний колонтитул 5"/>
+            <a:endParaRPr lang="en-US" dirty="0"/>
+          </a:p>
+        </p:txBody>
+      </p:sp>
+      <p:sp>
+        <p:nvSpPr>
+          <p:cNvPr id="9" name="Footer Placeholder 8"/>
           <p:cNvSpPr>
             <a:spLocks noGrp="1"/>
           </p:cNvSpPr>
@@ -1259,13 +1294,13 @@
           <a:bodyPr/>
           <a:lstStyle/>
           <a:p>
-            <a:endParaRPr lang="ru-RU"/>
-          </a:p>
-        </p:txBody>
-      </p:sp>
-      <p:sp>
-        <p:nvSpPr>
-          <p:cNvPr id="7" name="Номер слайда 6"/>
+            <a:endParaRPr lang="en-US" dirty="0"/>
+          </a:p>
+        </p:txBody>
+      </p:sp>
+      <p:sp>
+        <p:nvSpPr>
+          <p:cNvPr id="10" name="Slide Number Placeholder 9"/>
           <p:cNvSpPr>
             <a:spLocks noGrp="1"/>
           </p:cNvSpPr>
@@ -1278,20 +1313,15 @@
           <a:bodyPr/>
           <a:lstStyle/>
           <a:p>
-            <a:fld id="{B9444791-7B10-4673-8509-35F9258AD4C1}" type="slidenum">
-              <a:rPr lang="ru-RU" smtClean="0"/>
+            <a:fld id="{8A7A6979-0714-4377-B894-6BE4C2D6E202}" type="slidenum">
+              <a:rPr lang="en-US" dirty="0"/>
               <a:t>‹#›</a:t>
             </a:fld>
-            <a:endParaRPr lang="ru-RU"/>
+            <a:endParaRPr lang="en-US" dirty="0"/>
           </a:p>
         </p:txBody>
       </p:sp>
     </p:spTree>
-    <p:extLst>
-      <p:ext uri="{BB962C8B-B14F-4D97-AF65-F5344CB8AC3E}">
-        <p14:creationId xmlns:p14="http://schemas.microsoft.com/office/powerpoint/2010/main" val="577461769"/>
-      </p:ext>
-    </p:extLst>
   </p:cSld>
   <p:clrMapOvr>
     <a:masterClrMapping/>
@@ -1318,58 +1348,38 @@
       </p:grpSpPr>
       <p:sp>
         <p:nvSpPr>
-          <p:cNvPr id="2" name="Заголовок 1"/>
-          <p:cNvSpPr>
-            <a:spLocks noGrp="1"/>
-          </p:cNvSpPr>
-          <p:nvPr>
-            <p:ph type="title"/>
+          <p:cNvPr id="3" name="Text Placeholder 2"/>
+          <p:cNvSpPr>
+            <a:spLocks noGrp="1"/>
+          </p:cNvSpPr>
+          <p:nvPr>
+            <p:ph type="body" idx="1"/>
           </p:nvPr>
         </p:nvSpPr>
         <p:spPr>
           <a:xfrm>
-            <a:off x="839788" y="365125"/>
-            <a:ext cx="10515600" cy="1325563"/>
+            <a:off x="1583436" y="2313433"/>
+            <a:ext cx="4270248" cy="704087"/>
           </a:xfrm>
         </p:spPr>
         <p:txBody>
-          <a:bodyPr/>
-          <a:lstStyle/>
-          <a:p>
-            <a:r>
-              <a:rPr lang="ru-RU" smtClean="0"/>
-              <a:t>Образец заголовка</a:t>
-            </a:r>
-            <a:endParaRPr lang="ru-RU"/>
-          </a:p>
-        </p:txBody>
-      </p:sp>
-      <p:sp>
-        <p:nvSpPr>
-          <p:cNvPr id="3" name="Текст 2"/>
-          <p:cNvSpPr>
-            <a:spLocks noGrp="1"/>
-          </p:cNvSpPr>
-          <p:nvPr>
-            <p:ph type="body" idx="1"/>
-          </p:nvPr>
-        </p:nvSpPr>
-        <p:spPr>
-          <a:xfrm>
-            <a:off x="839788" y="1681163"/>
-            <a:ext cx="5157787" cy="823912"/>
-          </a:xfrm>
-        </p:spPr>
-        <p:txBody>
-          <a:bodyPr anchor="b"/>
+          <a:bodyPr anchor="b" anchorCtr="1">
+            <a:normAutofit/>
+          </a:bodyPr>
           <a:lstStyle>
-            <a:lvl1pPr marL="0" indent="0">
-              <a:buNone/>
-              <a:defRPr sz="2400" b="1"/>
+            <a:lvl1pPr marL="0" indent="0" algn="ctr">
+              <a:buNone/>
+              <a:defRPr sz="1900" b="0" cap="all" spc="100" baseline="0">
+                <a:solidFill>
+                  <a:schemeClr val="accent2">
+                    <a:lumMod val="75000"/>
+                  </a:schemeClr>
+                </a:solidFill>
+              </a:defRPr>
             </a:lvl1pPr>
             <a:lvl2pPr marL="457200" indent="0">
               <a:buNone/>
-              <a:defRPr sz="2000" b="1"/>
+              <a:defRPr sz="1900" b="1"/>
             </a:lvl2pPr>
             <a:lvl3pPr marL="914400" indent="0">
               <a:buNone/>
@@ -1411,7 +1421,7 @@
       </p:sp>
       <p:sp>
         <p:nvSpPr>
-          <p:cNvPr id="4" name="Объект 3"/>
+          <p:cNvPr id="4" name="Content Placeholder 3"/>
           <p:cNvSpPr>
             <a:spLocks noGrp="1"/>
           </p:cNvSpPr>
@@ -1421,8 +1431,8 @@
         </p:nvSpPr>
         <p:spPr>
           <a:xfrm>
-            <a:off x="839788" y="2505075"/>
-            <a:ext cx="5157787" cy="3684588"/>
+            <a:off x="1583436" y="3143250"/>
+            <a:ext cx="4270248" cy="2596776"/>
           </a:xfrm>
         </p:spPr>
         <p:txBody>
@@ -1462,36 +1472,105 @@
               <a:rPr lang="ru-RU" smtClean="0"/>
               <a:t>Пятый уровень</a:t>
             </a:r>
-            <a:endParaRPr lang="ru-RU"/>
-          </a:p>
-        </p:txBody>
-      </p:sp>
-      <p:sp>
-        <p:nvSpPr>
-          <p:cNvPr id="5" name="Текст 4"/>
-          <p:cNvSpPr>
-            <a:spLocks noGrp="1"/>
-          </p:cNvSpPr>
-          <p:nvPr>
-            <p:ph type="body" sz="quarter" idx="3"/>
+            <a:endParaRPr lang="en-US" dirty="0"/>
+          </a:p>
+        </p:txBody>
+      </p:sp>
+      <p:sp>
+        <p:nvSpPr>
+          <p:cNvPr id="6" name="Content Placeholder 5"/>
+          <p:cNvSpPr>
+            <a:spLocks noGrp="1"/>
+          </p:cNvSpPr>
+          <p:nvPr>
+            <p:ph sz="quarter" idx="4"/>
           </p:nvPr>
         </p:nvSpPr>
         <p:spPr>
           <a:xfrm>
-            <a:off x="6172200" y="1681163"/>
-            <a:ext cx="5183188" cy="823912"/>
+            <a:off x="6338316" y="3143250"/>
+            <a:ext cx="4253484" cy="2596776"/>
           </a:xfrm>
         </p:spPr>
         <p:txBody>
-          <a:bodyPr anchor="b"/>
+          <a:bodyPr/>
           <a:lstStyle>
-            <a:lvl1pPr marL="0" indent="0">
-              <a:buNone/>
-              <a:defRPr sz="2400" b="1"/>
+            <a:lvl5pPr>
+              <a:defRPr/>
+            </a:lvl5pPr>
+          </a:lstStyle>
+          <a:p>
+            <a:pPr lvl="0"/>
+            <a:r>
+              <a:rPr lang="ru-RU" smtClean="0"/>
+              <a:t>Образец текста</a:t>
+            </a:r>
+          </a:p>
+          <a:p>
+            <a:pPr lvl="1"/>
+            <a:r>
+              <a:rPr lang="ru-RU" smtClean="0"/>
+              <a:t>Второй уровень</a:t>
+            </a:r>
+          </a:p>
+          <a:p>
+            <a:pPr lvl="2"/>
+            <a:r>
+              <a:rPr lang="ru-RU" smtClean="0"/>
+              <a:t>Третий уровень</a:t>
+            </a:r>
+          </a:p>
+          <a:p>
+            <a:pPr lvl="3"/>
+            <a:r>
+              <a:rPr lang="ru-RU" smtClean="0"/>
+              <a:t>Четвертый уровень</a:t>
+            </a:r>
+          </a:p>
+          <a:p>
+            <a:pPr lvl="4"/>
+            <a:r>
+              <a:rPr lang="ru-RU" smtClean="0"/>
+              <a:t>Пятый уровень</a:t>
+            </a:r>
+            <a:endParaRPr lang="en-US" dirty="0"/>
+          </a:p>
+        </p:txBody>
+      </p:sp>
+      <p:sp>
+        <p:nvSpPr>
+          <p:cNvPr id="11" name="Text Placeholder 4"/>
+          <p:cNvSpPr>
+            <a:spLocks noGrp="1"/>
+          </p:cNvSpPr>
+          <p:nvPr>
+            <p:ph type="body" sz="quarter" idx="13"/>
+          </p:nvPr>
+        </p:nvSpPr>
+        <p:spPr>
+          <a:xfrm>
+            <a:off x="6338316" y="2313433"/>
+            <a:ext cx="4270248" cy="704087"/>
+          </a:xfrm>
+        </p:spPr>
+        <p:txBody>
+          <a:bodyPr anchor="b" anchorCtr="1">
+            <a:normAutofit/>
+          </a:bodyPr>
+          <a:lstStyle>
+            <a:lvl1pPr marL="0" indent="0" algn="ctr">
+              <a:buNone/>
+              <a:defRPr sz="1900" b="0" cap="all" spc="100" baseline="0">
+                <a:solidFill>
+                  <a:schemeClr val="accent2">
+                    <a:lumMod val="75000"/>
+                  </a:schemeClr>
+                </a:solidFill>
+              </a:defRPr>
             </a:lvl1pPr>
             <a:lvl2pPr marL="457200" indent="0">
               <a:buNone/>
-              <a:defRPr sz="2000" b="1"/>
+              <a:defRPr sz="1900" b="1"/>
             </a:lvl2pPr>
             <a:lvl3pPr marL="914400" indent="0">
               <a:buNone/>
@@ -1533,64 +1612,7 @@
       </p:sp>
       <p:sp>
         <p:nvSpPr>
-          <p:cNvPr id="6" name="Объект 5"/>
-          <p:cNvSpPr>
-            <a:spLocks noGrp="1"/>
-          </p:cNvSpPr>
-          <p:nvPr>
-            <p:ph sz="quarter" idx="4"/>
-          </p:nvPr>
-        </p:nvSpPr>
-        <p:spPr>
-          <a:xfrm>
-            <a:off x="6172200" y="2505075"/>
-            <a:ext cx="5183188" cy="3684588"/>
-          </a:xfrm>
-        </p:spPr>
-        <p:txBody>
-          <a:bodyPr/>
-          <a:lstStyle/>
-          <a:p>
-            <a:pPr lvl="0"/>
-            <a:r>
-              <a:rPr lang="ru-RU" smtClean="0"/>
-              <a:t>Образец текста</a:t>
-            </a:r>
-          </a:p>
-          <a:p>
-            <a:pPr lvl="1"/>
-            <a:r>
-              <a:rPr lang="ru-RU" smtClean="0"/>
-              <a:t>Второй уровень</a:t>
-            </a:r>
-          </a:p>
-          <a:p>
-            <a:pPr lvl="2"/>
-            <a:r>
-              <a:rPr lang="ru-RU" smtClean="0"/>
-              <a:t>Третий уровень</a:t>
-            </a:r>
-          </a:p>
-          <a:p>
-            <a:pPr lvl="3"/>
-            <a:r>
-              <a:rPr lang="ru-RU" smtClean="0"/>
-              <a:t>Четвертый уровень</a:t>
-            </a:r>
-          </a:p>
-          <a:p>
-            <a:pPr lvl="4"/>
-            <a:r>
-              <a:rPr lang="ru-RU" smtClean="0"/>
-              <a:t>Пятый уровень</a:t>
-            </a:r>
-            <a:endParaRPr lang="ru-RU"/>
-          </a:p>
-        </p:txBody>
-      </p:sp>
-      <p:sp>
-        <p:nvSpPr>
-          <p:cNvPr id="7" name="Дата 6"/>
+          <p:cNvPr id="7" name="Date Placeholder 6"/>
           <p:cNvSpPr>
             <a:spLocks noGrp="1"/>
           </p:cNvSpPr>
@@ -1603,17 +1625,17 @@
           <a:bodyPr/>
           <a:lstStyle/>
           <a:p>
-            <a:fld id="{E849FCD7-4D3E-4190-AF57-0940B9CEE364}" type="datetimeFigureOut">
-              <a:rPr lang="ru-RU" smtClean="0"/>
-              <a:t>19.01.2022</a:t>
+            <a:fld id="{4F7D4976-E339-4826-83B7-FBD03F55ECF8}" type="datetimeFigureOut">
+              <a:rPr lang="en-US" dirty="0"/>
+              <a:t>2/27/2022</a:t>
             </a:fld>
-            <a:endParaRPr lang="ru-RU"/>
-          </a:p>
-        </p:txBody>
-      </p:sp>
-      <p:sp>
-        <p:nvSpPr>
-          <p:cNvPr id="8" name="Нижний колонтитул 7"/>
+            <a:endParaRPr lang="en-US" dirty="0"/>
+          </a:p>
+        </p:txBody>
+      </p:sp>
+      <p:sp>
+        <p:nvSpPr>
+          <p:cNvPr id="8" name="Footer Placeholder 7"/>
           <p:cNvSpPr>
             <a:spLocks noGrp="1"/>
           </p:cNvSpPr>
@@ -1626,13 +1648,13 @@
           <a:bodyPr/>
           <a:lstStyle/>
           <a:p>
-            <a:endParaRPr lang="ru-RU"/>
-          </a:p>
-        </p:txBody>
-      </p:sp>
-      <p:sp>
-        <p:nvSpPr>
-          <p:cNvPr id="9" name="Номер слайда 8"/>
+            <a:endParaRPr lang="en-US" dirty="0"/>
+          </a:p>
+        </p:txBody>
+      </p:sp>
+      <p:sp>
+        <p:nvSpPr>
+          <p:cNvPr id="9" name="Slide Number Placeholder 8"/>
           <p:cNvSpPr>
             <a:spLocks noGrp="1"/>
           </p:cNvSpPr>
@@ -1645,20 +1667,38 @@
           <a:bodyPr/>
           <a:lstStyle/>
           <a:p>
-            <a:fld id="{B9444791-7B10-4673-8509-35F9258AD4C1}" type="slidenum">
-              <a:rPr lang="ru-RU" smtClean="0"/>
+            <a:fld id="{8A7A6979-0714-4377-B894-6BE4C2D6E202}" type="slidenum">
+              <a:rPr lang="en-US" dirty="0"/>
               <a:t>‹#›</a:t>
             </a:fld>
-            <a:endParaRPr lang="ru-RU"/>
+            <a:endParaRPr lang="en-US" dirty="0"/>
+          </a:p>
+        </p:txBody>
+      </p:sp>
+      <p:sp>
+        <p:nvSpPr>
+          <p:cNvPr id="10" name="Title 9"/>
+          <p:cNvSpPr>
+            <a:spLocks noGrp="1"/>
+          </p:cNvSpPr>
+          <p:nvPr>
+            <p:ph type="title"/>
+          </p:nvPr>
+        </p:nvSpPr>
+        <p:spPr/>
+        <p:txBody>
+          <a:bodyPr/>
+          <a:lstStyle/>
+          <a:p>
+            <a:r>
+              <a:rPr lang="ru-RU" smtClean="0"/>
+              <a:t>Образец заголовка</a:t>
+            </a:r>
+            <a:endParaRPr lang="en-US" dirty="0"/>
           </a:p>
         </p:txBody>
       </p:sp>
     </p:spTree>
-    <p:extLst>
-      <p:ext uri="{BB962C8B-B14F-4D97-AF65-F5344CB8AC3E}">
-        <p14:creationId xmlns:p14="http://schemas.microsoft.com/office/powerpoint/2010/main" val="2590532249"/>
-      </p:ext>
-    </p:extLst>
   </p:cSld>
   <p:clrMapOvr>
     <a:masterClrMapping/>
@@ -1685,7 +1725,7 @@
       </p:grpSpPr>
       <p:sp>
         <p:nvSpPr>
-          <p:cNvPr id="2" name="Заголовок 1"/>
+          <p:cNvPr id="2" name="Title 1"/>
           <p:cNvSpPr>
             <a:spLocks noGrp="1"/>
           </p:cNvSpPr>
@@ -1702,13 +1742,13 @@
               <a:rPr lang="ru-RU" smtClean="0"/>
               <a:t>Образец заголовка</a:t>
             </a:r>
-            <a:endParaRPr lang="ru-RU"/>
-          </a:p>
-        </p:txBody>
-      </p:sp>
-      <p:sp>
-        <p:nvSpPr>
-          <p:cNvPr id="3" name="Дата 2"/>
+            <a:endParaRPr lang="en-US" dirty="0"/>
+          </a:p>
+        </p:txBody>
+      </p:sp>
+      <p:sp>
+        <p:nvSpPr>
+          <p:cNvPr id="3" name="Date Placeholder 2"/>
           <p:cNvSpPr>
             <a:spLocks noGrp="1"/>
           </p:cNvSpPr>
@@ -1721,17 +1761,17 @@
           <a:bodyPr/>
           <a:lstStyle/>
           <a:p>
-            <a:fld id="{E849FCD7-4D3E-4190-AF57-0940B9CEE364}" type="datetimeFigureOut">
-              <a:rPr lang="ru-RU" smtClean="0"/>
-              <a:t>19.01.2022</a:t>
+            <a:fld id="{E1037C31-9E7A-4F99-8774-A0E530DE1A42}" type="datetimeFigureOut">
+              <a:rPr lang="en-US" dirty="0"/>
+              <a:t>2/27/2022</a:t>
             </a:fld>
-            <a:endParaRPr lang="ru-RU"/>
-          </a:p>
-        </p:txBody>
-      </p:sp>
-      <p:sp>
-        <p:nvSpPr>
-          <p:cNvPr id="4" name="Нижний колонтитул 3"/>
+            <a:endParaRPr lang="en-US" dirty="0"/>
+          </a:p>
+        </p:txBody>
+      </p:sp>
+      <p:sp>
+        <p:nvSpPr>
+          <p:cNvPr id="4" name="Footer Placeholder 3"/>
           <p:cNvSpPr>
             <a:spLocks noGrp="1"/>
           </p:cNvSpPr>
@@ -1744,13 +1784,13 @@
           <a:bodyPr/>
           <a:lstStyle/>
           <a:p>
-            <a:endParaRPr lang="ru-RU"/>
-          </a:p>
-        </p:txBody>
-      </p:sp>
-      <p:sp>
-        <p:nvSpPr>
-          <p:cNvPr id="5" name="Номер слайда 4"/>
+            <a:endParaRPr lang="en-US" dirty="0"/>
+          </a:p>
+        </p:txBody>
+      </p:sp>
+      <p:sp>
+        <p:nvSpPr>
+          <p:cNvPr id="5" name="Slide Number Placeholder 4"/>
           <p:cNvSpPr>
             <a:spLocks noGrp="1"/>
           </p:cNvSpPr>
@@ -1763,20 +1803,15 @@
           <a:bodyPr/>
           <a:lstStyle/>
           <a:p>
-            <a:fld id="{B9444791-7B10-4673-8509-35F9258AD4C1}" type="slidenum">
-              <a:rPr lang="ru-RU" smtClean="0"/>
+            <a:fld id="{8A7A6979-0714-4377-B894-6BE4C2D6E202}" type="slidenum">
+              <a:rPr lang="en-US" dirty="0"/>
               <a:t>‹#›</a:t>
             </a:fld>
-            <a:endParaRPr lang="ru-RU"/>
+            <a:endParaRPr lang="en-US" dirty="0"/>
           </a:p>
         </p:txBody>
       </p:sp>
     </p:spTree>
-    <p:extLst>
-      <p:ext uri="{BB962C8B-B14F-4D97-AF65-F5344CB8AC3E}">
-        <p14:creationId xmlns:p14="http://schemas.microsoft.com/office/powerpoint/2010/main" val="3381694763"/>
-      </p:ext>
-    </p:extLst>
   </p:cSld>
   <p:clrMapOvr>
     <a:masterClrMapping/>
@@ -1803,7 +1838,7 @@
       </p:grpSpPr>
       <p:sp>
         <p:nvSpPr>
-          <p:cNvPr id="2" name="Дата 1"/>
+          <p:cNvPr id="2" name="Date Placeholder 1"/>
           <p:cNvSpPr>
             <a:spLocks noGrp="1"/>
           </p:cNvSpPr>
@@ -1816,17 +1851,17 @@
           <a:bodyPr/>
           <a:lstStyle/>
           <a:p>
-            <a:fld id="{E849FCD7-4D3E-4190-AF57-0940B9CEE364}" type="datetimeFigureOut">
-              <a:rPr lang="ru-RU" smtClean="0"/>
-              <a:t>19.01.2022</a:t>
+            <a:fld id="{C278504F-A551-4DE0-9316-4DCD1D8CC752}" type="datetimeFigureOut">
+              <a:rPr lang="en-US" dirty="0"/>
+              <a:t>2/27/2022</a:t>
             </a:fld>
-            <a:endParaRPr lang="ru-RU"/>
-          </a:p>
-        </p:txBody>
-      </p:sp>
-      <p:sp>
-        <p:nvSpPr>
-          <p:cNvPr id="3" name="Нижний колонтитул 2"/>
+            <a:endParaRPr lang="en-US" dirty="0"/>
+          </a:p>
+        </p:txBody>
+      </p:sp>
+      <p:sp>
+        <p:nvSpPr>
+          <p:cNvPr id="3" name="Footer Placeholder 2"/>
           <p:cNvSpPr>
             <a:spLocks noGrp="1"/>
           </p:cNvSpPr>
@@ -1839,13 +1874,13 @@
           <a:bodyPr/>
           <a:lstStyle/>
           <a:p>
-            <a:endParaRPr lang="ru-RU"/>
-          </a:p>
-        </p:txBody>
-      </p:sp>
-      <p:sp>
-        <p:nvSpPr>
-          <p:cNvPr id="4" name="Номер слайда 3"/>
+            <a:endParaRPr lang="en-US" dirty="0"/>
+          </a:p>
+        </p:txBody>
+      </p:sp>
+      <p:sp>
+        <p:nvSpPr>
+          <p:cNvPr id="4" name="Slide Number Placeholder 3"/>
           <p:cNvSpPr>
             <a:spLocks noGrp="1"/>
           </p:cNvSpPr>
@@ -1858,20 +1893,15 @@
           <a:bodyPr/>
           <a:lstStyle/>
           <a:p>
-            <a:fld id="{B9444791-7B10-4673-8509-35F9258AD4C1}" type="slidenum">
-              <a:rPr lang="ru-RU" smtClean="0"/>
+            <a:fld id="{8A7A6979-0714-4377-B894-6BE4C2D6E202}" type="slidenum">
+              <a:rPr lang="en-US" dirty="0"/>
               <a:t>‹#›</a:t>
             </a:fld>
-            <a:endParaRPr lang="ru-RU"/>
+            <a:endParaRPr lang="en-US" dirty="0"/>
           </a:p>
         </p:txBody>
       </p:sp>
     </p:spTree>
-    <p:extLst>
-      <p:ext uri="{BB962C8B-B14F-4D97-AF65-F5344CB8AC3E}">
-        <p14:creationId xmlns:p14="http://schemas.microsoft.com/office/powerpoint/2010/main" val="3534345102"/>
-      </p:ext>
-    </p:extLst>
   </p:cSld>
   <p:clrMapOvr>
     <a:masterClrMapping/>
@@ -1898,143 +1928,223 @@
       </p:grpSpPr>
       <p:sp>
         <p:nvSpPr>
-          <p:cNvPr id="2" name="Заголовок 1"/>
-          <p:cNvSpPr>
-            <a:spLocks noGrp="1"/>
-          </p:cNvSpPr>
-          <p:nvPr>
-            <p:ph type="title"/>
-          </p:nvPr>
+          <p:cNvPr id="26" name="Rectangle 25"/>
+          <p:cNvSpPr/>
+          <p:nvPr/>
         </p:nvSpPr>
         <p:spPr>
           <a:xfrm>
-            <a:off x="839788" y="457200"/>
-            <a:ext cx="3932237" cy="1600200"/>
+            <a:off x="0" y="0"/>
+            <a:ext cx="6096000" cy="6858000"/>
+          </a:xfrm>
+          <a:prstGeom prst="rect">
+            <a:avLst/>
+          </a:prstGeom>
+          <a:solidFill>
+            <a:schemeClr val="accent2"/>
+          </a:solidFill>
+          <a:ln>
+            <a:noFill/>
+          </a:ln>
+        </p:spPr>
+        <p:style>
+          <a:lnRef idx="2">
+            <a:schemeClr val="accent1">
+              <a:shade val="50000"/>
+            </a:schemeClr>
+          </a:lnRef>
+          <a:fillRef idx="1">
+            <a:schemeClr val="accent1"/>
+          </a:fillRef>
+          <a:effectRef idx="0">
+            <a:schemeClr val="accent1"/>
+          </a:effectRef>
+          <a:fontRef idx="minor">
+            <a:schemeClr val="lt1"/>
+          </a:fontRef>
+        </p:style>
+      </p:sp>
+      <p:sp>
+        <p:nvSpPr>
+          <p:cNvPr id="2" name="Title 1"/>
+          <p:cNvSpPr>
+            <a:spLocks noGrp="1"/>
+          </p:cNvSpPr>
+          <p:nvPr>
+            <p:ph type="title"/>
+          </p:nvPr>
+        </p:nvSpPr>
+        <p:spPr bwMode="blackWhite">
+          <a:xfrm>
+            <a:off x="804672" y="2243828"/>
+            <a:ext cx="4486656" cy="1141497"/>
+          </a:xfrm>
+          <a:solidFill>
+            <a:srgbClr val="FFFFFF"/>
+          </a:solidFill>
+          <a:ln>
+            <a:solidFill>
+              <a:srgbClr val="404040"/>
+            </a:solidFill>
+          </a:ln>
+        </p:spPr>
+        <p:txBody>
+          <a:bodyPr anchor="ctr" anchorCtr="1">
+            <a:normAutofit/>
+          </a:bodyPr>
+          <a:lstStyle>
+            <a:lvl1pPr>
+              <a:defRPr sz="2200">
+                <a:solidFill>
+                  <a:srgbClr val="262626"/>
+                </a:solidFill>
+              </a:defRPr>
+            </a:lvl1pPr>
+          </a:lstStyle>
+          <a:p>
+            <a:r>
+              <a:rPr lang="ru-RU" smtClean="0"/>
+              <a:t>Образец заголовка</a:t>
+            </a:r>
+            <a:endParaRPr lang="en-US" dirty="0"/>
+          </a:p>
+        </p:txBody>
+      </p:sp>
+      <p:sp>
+        <p:nvSpPr>
+          <p:cNvPr id="3" name="Content Placeholder 2"/>
+          <p:cNvSpPr>
+            <a:spLocks noGrp="1"/>
+          </p:cNvSpPr>
+          <p:nvPr>
+            <p:ph idx="1"/>
+          </p:nvPr>
+        </p:nvSpPr>
+        <p:spPr>
+          <a:xfrm>
+            <a:off x="6736080" y="804672"/>
+            <a:ext cx="4815840" cy="5248656"/>
           </a:xfrm>
         </p:spPr>
         <p:txBody>
-          <a:bodyPr anchor="b"/>
+          <a:bodyPr>
+            <a:normAutofit/>
+          </a:bodyPr>
           <a:lstStyle>
             <a:lvl1pPr>
-              <a:defRPr sz="3200"/>
+              <a:defRPr sz="1900">
+                <a:solidFill>
+                  <a:schemeClr val="tx1"/>
+                </a:solidFill>
+              </a:defRPr>
             </a:lvl1pPr>
+            <a:lvl2pPr>
+              <a:defRPr sz="1600">
+                <a:solidFill>
+                  <a:schemeClr val="tx1"/>
+                </a:solidFill>
+              </a:defRPr>
+            </a:lvl2pPr>
+            <a:lvl3pPr>
+              <a:defRPr sz="1600">
+                <a:solidFill>
+                  <a:schemeClr val="tx1"/>
+                </a:solidFill>
+              </a:defRPr>
+            </a:lvl3pPr>
+            <a:lvl4pPr>
+              <a:defRPr sz="1600">
+                <a:solidFill>
+                  <a:schemeClr val="tx1"/>
+                </a:solidFill>
+              </a:defRPr>
+            </a:lvl4pPr>
+            <a:lvl5pPr>
+              <a:defRPr sz="1600">
+                <a:solidFill>
+                  <a:schemeClr val="tx1"/>
+                </a:solidFill>
+              </a:defRPr>
+            </a:lvl5pPr>
+            <a:lvl6pPr>
+              <a:defRPr sz="1600"/>
+            </a:lvl6pPr>
+            <a:lvl7pPr>
+              <a:defRPr sz="1600"/>
+            </a:lvl7pPr>
+            <a:lvl8pPr>
+              <a:defRPr sz="1600"/>
+            </a:lvl8pPr>
+            <a:lvl9pPr>
+              <a:defRPr sz="1600"/>
+            </a:lvl9pPr>
           </a:lstStyle>
           <a:p>
-            <a:r>
-              <a:rPr lang="ru-RU" smtClean="0"/>
-              <a:t>Образец заголовка</a:t>
-            </a:r>
-            <a:endParaRPr lang="ru-RU"/>
-          </a:p>
-        </p:txBody>
-      </p:sp>
-      <p:sp>
-        <p:nvSpPr>
-          <p:cNvPr id="3" name="Объект 2"/>
-          <p:cNvSpPr>
-            <a:spLocks noGrp="1"/>
-          </p:cNvSpPr>
-          <p:nvPr>
-            <p:ph idx="1"/>
+            <a:pPr lvl="0"/>
+            <a:r>
+              <a:rPr lang="ru-RU" smtClean="0"/>
+              <a:t>Образец текста</a:t>
+            </a:r>
+          </a:p>
+          <a:p>
+            <a:pPr lvl="1"/>
+            <a:r>
+              <a:rPr lang="ru-RU" smtClean="0"/>
+              <a:t>Второй уровень</a:t>
+            </a:r>
+          </a:p>
+          <a:p>
+            <a:pPr lvl="2"/>
+            <a:r>
+              <a:rPr lang="ru-RU" smtClean="0"/>
+              <a:t>Третий уровень</a:t>
+            </a:r>
+          </a:p>
+          <a:p>
+            <a:pPr lvl="3"/>
+            <a:r>
+              <a:rPr lang="ru-RU" smtClean="0"/>
+              <a:t>Четвертый уровень</a:t>
+            </a:r>
+          </a:p>
+          <a:p>
+            <a:pPr lvl="4"/>
+            <a:r>
+              <a:rPr lang="ru-RU" smtClean="0"/>
+              <a:t>Пятый уровень</a:t>
+            </a:r>
+            <a:endParaRPr lang="en-US" dirty="0"/>
+          </a:p>
+        </p:txBody>
+      </p:sp>
+      <p:sp>
+        <p:nvSpPr>
+          <p:cNvPr id="4" name="Text Placeholder 3"/>
+          <p:cNvSpPr>
+            <a:spLocks noGrp="1"/>
+          </p:cNvSpPr>
+          <p:nvPr>
+            <p:ph type="body" sz="half" idx="2"/>
           </p:nvPr>
         </p:nvSpPr>
         <p:spPr>
           <a:xfrm>
-            <a:off x="5183188" y="987425"/>
-            <a:ext cx="6172200" cy="4873625"/>
+            <a:off x="1115568" y="3549918"/>
+            <a:ext cx="3794760" cy="2194036"/>
           </a:xfrm>
         </p:spPr>
         <p:txBody>
-          <a:bodyPr/>
+          <a:bodyPr anchor="t" anchorCtr="1">
+            <a:normAutofit/>
+          </a:bodyPr>
           <a:lstStyle>
-            <a:lvl1pPr>
-              <a:defRPr sz="3200"/>
-            </a:lvl1pPr>
-            <a:lvl2pPr>
-              <a:defRPr sz="2800"/>
-            </a:lvl2pPr>
-            <a:lvl3pPr>
-              <a:defRPr sz="2400"/>
-            </a:lvl3pPr>
-            <a:lvl4pPr>
-              <a:defRPr sz="2000"/>
-            </a:lvl4pPr>
-            <a:lvl5pPr>
-              <a:defRPr sz="2000"/>
-            </a:lvl5pPr>
-            <a:lvl6pPr>
-              <a:defRPr sz="2000"/>
-            </a:lvl6pPr>
-            <a:lvl7pPr>
-              <a:defRPr sz="2000"/>
-            </a:lvl7pPr>
-            <a:lvl8pPr>
-              <a:defRPr sz="2000"/>
-            </a:lvl8pPr>
-            <a:lvl9pPr>
-              <a:defRPr sz="2000"/>
-            </a:lvl9pPr>
-          </a:lstStyle>
-          <a:p>
-            <a:pPr lvl="0"/>
-            <a:r>
-              <a:rPr lang="ru-RU" smtClean="0"/>
-              <a:t>Образец текста</a:t>
-            </a:r>
-          </a:p>
-          <a:p>
-            <a:pPr lvl="1"/>
-            <a:r>
-              <a:rPr lang="ru-RU" smtClean="0"/>
-              <a:t>Второй уровень</a:t>
-            </a:r>
-          </a:p>
-          <a:p>
-            <a:pPr lvl="2"/>
-            <a:r>
-              <a:rPr lang="ru-RU" smtClean="0"/>
-              <a:t>Третий уровень</a:t>
-            </a:r>
-          </a:p>
-          <a:p>
-            <a:pPr lvl="3"/>
-            <a:r>
-              <a:rPr lang="ru-RU" smtClean="0"/>
-              <a:t>Четвертый уровень</a:t>
-            </a:r>
-          </a:p>
-          <a:p>
-            <a:pPr lvl="4"/>
-            <a:r>
-              <a:rPr lang="ru-RU" smtClean="0"/>
-              <a:t>Пятый уровень</a:t>
-            </a:r>
-            <a:endParaRPr lang="ru-RU"/>
-          </a:p>
-        </p:txBody>
-      </p:sp>
-      <p:sp>
-        <p:nvSpPr>
-          <p:cNvPr id="4" name="Текст 3"/>
-          <p:cNvSpPr>
-            <a:spLocks noGrp="1"/>
-          </p:cNvSpPr>
-          <p:nvPr>
-            <p:ph type="body" sz="half" idx="2"/>
-          </p:nvPr>
-        </p:nvSpPr>
-        <p:spPr>
-          <a:xfrm>
-            <a:off x="839788" y="2057400"/>
-            <a:ext cx="3932237" cy="3811588"/>
-          </a:xfrm>
-        </p:spPr>
-        <p:txBody>
-          <a:bodyPr/>
-          <a:lstStyle>
-            <a:lvl1pPr marL="0" indent="0">
-              <a:buNone/>
-              <a:defRPr sz="1600"/>
+            <a:lvl1pPr marL="0" indent="0" algn="ctr">
+              <a:buNone/>
+              <a:defRPr sz="1500">
+                <a:solidFill>
+                  <a:srgbClr val="FFFFFF"/>
+                </a:solidFill>
+              </a:defRPr>
             </a:lvl1pPr>
             <a:lvl2pPr marL="457200" indent="0">
               <a:buNone/>
@@ -2080,7 +2190,7 @@
       </p:sp>
       <p:sp>
         <p:nvSpPr>
-          <p:cNvPr id="5" name="Дата 4"/>
+          <p:cNvPr id="9" name="Date Placeholder 8"/>
           <p:cNvSpPr>
             <a:spLocks noGrp="1"/>
           </p:cNvSpPr>
@@ -2093,17 +2203,17 @@
           <a:bodyPr/>
           <a:lstStyle/>
           <a:p>
-            <a:fld id="{E849FCD7-4D3E-4190-AF57-0940B9CEE364}" type="datetimeFigureOut">
-              <a:rPr lang="ru-RU" smtClean="0"/>
-              <a:t>19.01.2022</a:t>
+            <a:fld id="{D1BE4249-C0D0-4B06-8692-E8BB871AF643}" type="datetimeFigureOut">
+              <a:rPr lang="en-US" dirty="0"/>
+              <a:t>2/27/2022</a:t>
             </a:fld>
-            <a:endParaRPr lang="ru-RU"/>
-          </a:p>
-        </p:txBody>
-      </p:sp>
-      <p:sp>
-        <p:nvSpPr>
-          <p:cNvPr id="6" name="Нижний колонтитул 5"/>
+            <a:endParaRPr lang="en-US" dirty="0"/>
+          </a:p>
+        </p:txBody>
+      </p:sp>
+      <p:sp>
+        <p:nvSpPr>
+          <p:cNvPr id="10" name="Footer Placeholder 9"/>
           <p:cNvSpPr>
             <a:spLocks noGrp="1"/>
           </p:cNvSpPr>
@@ -2111,18 +2221,33 @@
             <p:ph type="ftr" sz="quarter" idx="11"/>
           </p:nvPr>
         </p:nvSpPr>
-        <p:spPr/>
-        <p:txBody>
-          <a:bodyPr/>
-          <a:lstStyle/>
-          <a:p>
-            <a:endParaRPr lang="ru-RU"/>
-          </a:p>
-        </p:txBody>
-      </p:sp>
-      <p:sp>
-        <p:nvSpPr>
-          <p:cNvPr id="7" name="Номер слайда 6"/>
+        <p:spPr>
+          <a:xfrm>
+            <a:off x="804672" y="6236208"/>
+            <a:ext cx="5124797" cy="320040"/>
+          </a:xfrm>
+        </p:spPr>
+        <p:txBody>
+          <a:bodyPr/>
+          <a:lstStyle>
+            <a:lvl1pPr>
+              <a:defRPr>
+                <a:solidFill>
+                  <a:srgbClr val="FFFFFF">
+                    <a:alpha val="70000"/>
+                  </a:srgbClr>
+                </a:solidFill>
+              </a:defRPr>
+            </a:lvl1pPr>
+          </a:lstStyle>
+          <a:p>
+            <a:endParaRPr lang="en-US" dirty="0"/>
+          </a:p>
+        </p:txBody>
+      </p:sp>
+      <p:sp>
+        <p:nvSpPr>
+          <p:cNvPr id="11" name="Slide Number Placeholder 10"/>
           <p:cNvSpPr>
             <a:spLocks noGrp="1"/>
           </p:cNvSpPr>
@@ -2135,20 +2260,15 @@
           <a:bodyPr/>
           <a:lstStyle/>
           <a:p>
-            <a:fld id="{B9444791-7B10-4673-8509-35F9258AD4C1}" type="slidenum">
-              <a:rPr lang="ru-RU" smtClean="0"/>
+            <a:fld id="{8A7A6979-0714-4377-B894-6BE4C2D6E202}" type="slidenum">
+              <a:rPr lang="en-US" dirty="0"/>
               <a:t>‹#›</a:t>
             </a:fld>
-            <a:endParaRPr lang="ru-RU"/>
+            <a:endParaRPr lang="en-US" dirty="0"/>
           </a:p>
         </p:txBody>
       </p:sp>
     </p:spTree>
-    <p:extLst>
-      <p:ext uri="{BB962C8B-B14F-4D97-AF65-F5344CB8AC3E}">
-        <p14:creationId xmlns:p14="http://schemas.microsoft.com/office/powerpoint/2010/main" val="2014916323"/>
-      </p:ext>
-    </p:extLst>
   </p:cSld>
   <p:clrMapOvr>
     <a:masterClrMapping/>
@@ -2175,25 +2295,77 @@
       </p:grpSpPr>
       <p:sp>
         <p:nvSpPr>
-          <p:cNvPr id="2" name="Заголовок 1"/>
-          <p:cNvSpPr>
-            <a:spLocks noGrp="1"/>
-          </p:cNvSpPr>
-          <p:nvPr>
-            <p:ph type="title"/>
-          </p:nvPr>
+          <p:cNvPr id="18" name="Rectangle 17"/>
+          <p:cNvSpPr/>
+          <p:nvPr/>
         </p:nvSpPr>
         <p:spPr>
           <a:xfrm>
-            <a:off x="839788" y="457200"/>
-            <a:ext cx="3932237" cy="1600200"/>
+            <a:off x="0" y="0"/>
+            <a:ext cx="6095999" cy="6858000"/>
           </a:xfrm>
+          <a:prstGeom prst="rect">
+            <a:avLst/>
+          </a:prstGeom>
+          <a:solidFill>
+            <a:schemeClr val="accent2"/>
+          </a:solidFill>
+          <a:ln>
+            <a:noFill/>
+          </a:ln>
         </p:spPr>
-        <p:txBody>
-          <a:bodyPr anchor="b"/>
+        <p:style>
+          <a:lnRef idx="2">
+            <a:schemeClr val="accent1">
+              <a:shade val="50000"/>
+            </a:schemeClr>
+          </a:lnRef>
+          <a:fillRef idx="1">
+            <a:schemeClr val="accent1"/>
+          </a:fillRef>
+          <a:effectRef idx="0">
+            <a:schemeClr val="accent1"/>
+          </a:effectRef>
+          <a:fontRef idx="minor">
+            <a:schemeClr val="lt1"/>
+          </a:fontRef>
+        </p:style>
+      </p:sp>
+      <p:sp>
+        <p:nvSpPr>
+          <p:cNvPr id="2" name="Title 1"/>
+          <p:cNvSpPr>
+            <a:spLocks noGrp="1"/>
+          </p:cNvSpPr>
+          <p:nvPr>
+            <p:ph type="title"/>
+          </p:nvPr>
+        </p:nvSpPr>
+        <p:spPr bwMode="blackWhite">
+          <a:xfrm>
+            <a:off x="808523" y="2243828"/>
+            <a:ext cx="4494998" cy="1134640"/>
+          </a:xfrm>
+          <a:solidFill>
+            <a:srgbClr val="FFFFFF"/>
+          </a:solidFill>
+          <a:ln>
+            <a:solidFill>
+              <a:srgbClr val="404040"/>
+            </a:solidFill>
+          </a:ln>
+        </p:spPr>
+        <p:txBody>
+          <a:bodyPr anchor="ctr" anchorCtr="1">
+            <a:noAutofit/>
+          </a:bodyPr>
           <a:lstStyle>
             <a:lvl1pPr>
-              <a:defRPr sz="3200"/>
+              <a:defRPr sz="2200">
+                <a:solidFill>
+                  <a:srgbClr val="262626"/>
+                </a:solidFill>
+              </a:defRPr>
             </a:lvl1pPr>
           </a:lstStyle>
           <a:p>
@@ -2201,15 +2373,15 @@
               <a:rPr lang="ru-RU" smtClean="0"/>
               <a:t>Образец заголовка</a:t>
             </a:r>
-            <a:endParaRPr lang="ru-RU"/>
-          </a:p>
-        </p:txBody>
-      </p:sp>
-      <p:sp>
-        <p:nvSpPr>
-          <p:cNvPr id="3" name="Рисунок 2"/>
-          <p:cNvSpPr>
-            <a:spLocks noGrp="1"/>
+            <a:endParaRPr lang="en-US" dirty="0"/>
+          </a:p>
+        </p:txBody>
+      </p:sp>
+      <p:sp>
+        <p:nvSpPr>
+          <p:cNvPr id="3" name="Picture Placeholder 2"/>
+          <p:cNvSpPr>
+            <a:spLocks noGrp="1" noChangeAspect="1"/>
           </p:cNvSpPr>
           <p:nvPr>
             <p:ph type="pic" idx="1"/>
@@ -2217,16 +2389,28 @@
         </p:nvSpPr>
         <p:spPr>
           <a:xfrm>
-            <a:off x="5183188" y="987425"/>
-            <a:ext cx="6172200" cy="4873625"/>
+            <a:off x="6095999" y="0"/>
+            <a:ext cx="6102097" cy="6858000"/>
           </a:xfrm>
+          <a:solidFill>
+            <a:schemeClr val="bg1">
+              <a:lumMod val="75000"/>
+            </a:schemeClr>
+          </a:solidFill>
         </p:spPr>
         <p:txBody>
-          <a:bodyPr/>
+          <a:bodyPr anchor="t"/>
           <a:lstStyle>
             <a:lvl1pPr marL="0" indent="0">
               <a:buNone/>
-              <a:defRPr sz="3200"/>
+              <a:defRPr sz="3200">
+                <a:solidFill>
+                  <a:schemeClr val="bg1">
+                    <a:lumMod val="85000"/>
+                    <a:lumOff val="15000"/>
+                  </a:schemeClr>
+                </a:solidFill>
+              </a:defRPr>
             </a:lvl1pPr>
             <a:lvl2pPr marL="457200" indent="0">
               <a:buNone/>
@@ -2262,13 +2446,17 @@
             </a:lvl9pPr>
           </a:lstStyle>
           <a:p>
-            <a:endParaRPr lang="ru-RU"/>
-          </a:p>
-        </p:txBody>
-      </p:sp>
-      <p:sp>
-        <p:nvSpPr>
-          <p:cNvPr id="4" name="Текст 3"/>
+            <a:r>
+              <a:rPr lang="ru-RU" smtClean="0"/>
+              <a:t>Вставка рисунка</a:t>
+            </a:r>
+            <a:endParaRPr lang="en-US" dirty="0"/>
+          </a:p>
+        </p:txBody>
+      </p:sp>
+      <p:sp>
+        <p:nvSpPr>
+          <p:cNvPr id="4" name="Text Placeholder 3"/>
           <p:cNvSpPr>
             <a:spLocks noGrp="1"/>
           </p:cNvSpPr>
@@ -2278,16 +2466,22 @@
         </p:nvSpPr>
         <p:spPr>
           <a:xfrm>
-            <a:off x="839788" y="2057400"/>
-            <a:ext cx="3932237" cy="3811588"/>
+            <a:off x="1115568" y="3549918"/>
+            <a:ext cx="3794760" cy="2194037"/>
           </a:xfrm>
         </p:spPr>
         <p:txBody>
-          <a:bodyPr/>
+          <a:bodyPr anchor="t" anchorCtr="1">
+            <a:normAutofit/>
+          </a:bodyPr>
           <a:lstStyle>
-            <a:lvl1pPr marL="0" indent="0">
-              <a:buNone/>
-              <a:defRPr sz="1600"/>
+            <a:lvl1pPr marL="0" indent="0" algn="ctr">
+              <a:buNone/>
+              <a:defRPr sz="1500">
+                <a:solidFill>
+                  <a:srgbClr val="FFFFFF"/>
+                </a:solidFill>
+              </a:defRPr>
             </a:lvl1pPr>
             <a:lvl2pPr marL="457200" indent="0">
               <a:buNone/>
@@ -2333,7 +2527,7 @@
       </p:sp>
       <p:sp>
         <p:nvSpPr>
-          <p:cNvPr id="5" name="Дата 4"/>
+          <p:cNvPr id="8" name="Date Placeholder 7"/>
           <p:cNvSpPr>
             <a:spLocks noGrp="1"/>
           </p:cNvSpPr>
@@ -2344,19 +2538,34 @@
         <p:spPr/>
         <p:txBody>
           <a:bodyPr/>
-          <a:lstStyle/>
-          <a:p>
-            <a:fld id="{E849FCD7-4D3E-4190-AF57-0940B9CEE364}" type="datetimeFigureOut">
-              <a:rPr lang="ru-RU" smtClean="0"/>
-              <a:t>19.01.2022</a:t>
+          <a:lstStyle>
+            <a:lvl1pPr>
+              <a:defRPr>
+                <a:solidFill>
+                  <a:srgbClr val="FFFFFF"/>
+                </a:solidFill>
+                <a:effectLst>
+                  <a:outerShdw blurRad="50800" dist="38100" dir="2700000" algn="tl" rotWithShape="0">
+                    <a:prstClr val="black">
+                      <a:alpha val="43000"/>
+                    </a:prstClr>
+                  </a:outerShdw>
+                </a:effectLst>
+              </a:defRPr>
+            </a:lvl1pPr>
+          </a:lstStyle>
+          <a:p>
+            <a:fld id="{042B0DB6-F5C7-45FB-8CF3-31B45F9C2DAC}" type="datetimeFigureOut">
+              <a:rPr lang="en-US" dirty="0"/>
+              <a:t>2/27/2022</a:t>
             </a:fld>
-            <a:endParaRPr lang="ru-RU"/>
-          </a:p>
-        </p:txBody>
-      </p:sp>
-      <p:sp>
-        <p:nvSpPr>
-          <p:cNvPr id="6" name="Нижний колонтитул 5"/>
+            <a:endParaRPr lang="en-US" dirty="0"/>
+          </a:p>
+        </p:txBody>
+      </p:sp>
+      <p:sp>
+        <p:nvSpPr>
+          <p:cNvPr id="9" name="Footer Placeholder 8"/>
           <p:cNvSpPr>
             <a:spLocks noGrp="1"/>
           </p:cNvSpPr>
@@ -2364,18 +2573,33 @@
             <p:ph type="ftr" sz="quarter" idx="11"/>
           </p:nvPr>
         </p:nvSpPr>
-        <p:spPr/>
-        <p:txBody>
-          <a:bodyPr/>
-          <a:lstStyle/>
-          <a:p>
-            <a:endParaRPr lang="ru-RU"/>
-          </a:p>
-        </p:txBody>
-      </p:sp>
-      <p:sp>
-        <p:nvSpPr>
-          <p:cNvPr id="7" name="Номер слайда 6"/>
+        <p:spPr>
+          <a:xfrm>
+            <a:off x="804672" y="6236208"/>
+            <a:ext cx="5124797" cy="320040"/>
+          </a:xfrm>
+        </p:spPr>
+        <p:txBody>
+          <a:bodyPr/>
+          <a:lstStyle>
+            <a:lvl1pPr>
+              <a:defRPr>
+                <a:solidFill>
+                  <a:srgbClr val="FFFFFF">
+                    <a:alpha val="70000"/>
+                  </a:srgbClr>
+                </a:solidFill>
+              </a:defRPr>
+            </a:lvl1pPr>
+          </a:lstStyle>
+          <a:p>
+            <a:endParaRPr lang="en-US" dirty="0"/>
+          </a:p>
+        </p:txBody>
+      </p:sp>
+      <p:sp>
+        <p:nvSpPr>
+          <p:cNvPr id="10" name="Slide Number Placeholder 9"/>
           <p:cNvSpPr>
             <a:spLocks noGrp="1"/>
           </p:cNvSpPr>
@@ -2388,20 +2612,15 @@
           <a:bodyPr/>
           <a:lstStyle/>
           <a:p>
-            <a:fld id="{B9444791-7B10-4673-8509-35F9258AD4C1}" type="slidenum">
-              <a:rPr lang="ru-RU" smtClean="0"/>
+            <a:fld id="{8A7A6979-0714-4377-B894-6BE4C2D6E202}" type="slidenum">
+              <a:rPr lang="en-US" dirty="0"/>
               <a:t>‹#›</a:t>
             </a:fld>
-            <a:endParaRPr lang="ru-RU"/>
+            <a:endParaRPr lang="en-US" dirty="0"/>
           </a:p>
         </p:txBody>
       </p:sp>
     </p:spTree>
-    <p:extLst>
-      <p:ext uri="{BB962C8B-B14F-4D97-AF65-F5344CB8AC3E}">
-        <p14:creationId xmlns:p14="http://schemas.microsoft.com/office/powerpoint/2010/main" val="3016648832"/>
-      </p:ext>
-    </p:extLst>
   </p:cSld>
   <p:clrMapOvr>
     <a:masterClrMapping/>
@@ -2413,9 +2632,14 @@
 <p:sldMaster xmlns:a="http://schemas.openxmlformats.org/drawingml/2006/main" xmlns:r="http://schemas.openxmlformats.org/officeDocument/2006/relationships" xmlns:p="http://schemas.openxmlformats.org/presentationml/2006/main">
   <p:cSld>
     <p:bg>
-      <p:bgRef idx="1001">
-        <a:schemeClr val="bg1"/>
-      </p:bgRef>
+      <p:bgPr>
+        <a:solidFill>
+          <a:schemeClr val="bg1">
+            <a:lumMod val="95000"/>
+          </a:schemeClr>
+        </a:solidFill>
+        <a:effectLst/>
+      </p:bgPr>
     </p:bg>
     <p:spTree>
       <p:nvGrpSpPr>
@@ -2433,113 +2657,162 @@
       </p:grpSpPr>
       <p:sp>
         <p:nvSpPr>
-          <p:cNvPr id="2" name="Заголовок 1"/>
+          <p:cNvPr id="2" name="Title Placeholder 1"/>
           <p:cNvSpPr>
             <a:spLocks noGrp="1"/>
           </p:cNvSpPr>
           <p:nvPr>
             <p:ph type="title"/>
+          </p:nvPr>
+        </p:nvSpPr>
+        <p:spPr bwMode="black">
+          <a:xfrm>
+            <a:off x="2231136" y="964692"/>
+            <a:ext cx="7729728" cy="1188720"/>
+          </a:xfrm>
+          <a:prstGeom prst="rect">
+            <a:avLst/>
+          </a:prstGeom>
+          <a:solidFill>
+            <a:srgbClr val="FFFFFF"/>
+          </a:solidFill>
+          <a:ln w="31750" cap="sq">
+            <a:solidFill>
+              <a:srgbClr val="404040"/>
+            </a:solidFill>
+            <a:miter lim="800000"/>
+          </a:ln>
+        </p:spPr>
+        <p:txBody>
+          <a:bodyPr vert="horz" lIns="182880" tIns="182880" rIns="182880" bIns="182880" rtlCol="0" anchor="ctr">
+            <a:normAutofit/>
+          </a:bodyPr>
+          <a:lstStyle/>
+          <a:p>
+            <a:r>
+              <a:rPr lang="ru-RU" smtClean="0"/>
+              <a:t>Образец заголовка</a:t>
+            </a:r>
+            <a:endParaRPr lang="en-US" dirty="0"/>
+          </a:p>
+        </p:txBody>
+      </p:sp>
+      <p:sp>
+        <p:nvSpPr>
+          <p:cNvPr id="3" name="Text Placeholder 2"/>
+          <p:cNvSpPr>
+            <a:spLocks noGrp="1"/>
+          </p:cNvSpPr>
+          <p:nvPr>
+            <p:ph type="body" idx="1"/>
           </p:nvPr>
         </p:nvSpPr>
         <p:spPr>
           <a:xfrm>
-            <a:off x="838200" y="365125"/>
-            <a:ext cx="10515600" cy="1325563"/>
+            <a:off x="2231136" y="2638044"/>
+            <a:ext cx="7729728" cy="3101983"/>
           </a:xfrm>
           <a:prstGeom prst="rect">
             <a:avLst/>
           </a:prstGeom>
         </p:spPr>
         <p:txBody>
-          <a:bodyPr vert="horz" lIns="91440" tIns="45720" rIns="91440" bIns="45720" rtlCol="0" anchor="ctr">
+          <a:bodyPr vert="horz" lIns="91440" tIns="45720" rIns="91440" bIns="45720" rtlCol="0">
             <a:normAutofit/>
           </a:bodyPr>
           <a:lstStyle/>
           <a:p>
-            <a:r>
-              <a:rPr lang="ru-RU" smtClean="0"/>
-              <a:t>Образец заголовка</a:t>
-            </a:r>
-            <a:endParaRPr lang="ru-RU"/>
-          </a:p>
-        </p:txBody>
-      </p:sp>
-      <p:sp>
-        <p:nvSpPr>
-          <p:cNvPr id="3" name="Текст 2"/>
-          <p:cNvSpPr>
-            <a:spLocks noGrp="1"/>
-          </p:cNvSpPr>
-          <p:nvPr>
-            <p:ph type="body" idx="1"/>
+            <a:pPr lvl="0"/>
+            <a:r>
+              <a:rPr lang="en-US" dirty="0"/>
+              <a:t>Edit Master text styles</a:t>
+            </a:r>
+          </a:p>
+          <a:p>
+            <a:pPr lvl="1"/>
+            <a:r>
+              <a:rPr lang="en-US" dirty="0"/>
+              <a:t>Second level</a:t>
+            </a:r>
+          </a:p>
+          <a:p>
+            <a:pPr lvl="2"/>
+            <a:r>
+              <a:rPr lang="en-US" dirty="0"/>
+              <a:t>Third level</a:t>
+            </a:r>
+          </a:p>
+          <a:p>
+            <a:pPr lvl="3"/>
+            <a:r>
+              <a:rPr lang="en-US" dirty="0"/>
+              <a:t>Fourth level</a:t>
+            </a:r>
+          </a:p>
+          <a:p>
+            <a:pPr lvl="4"/>
+            <a:r>
+              <a:rPr lang="en-US" dirty="0"/>
+              <a:t>Fifth level</a:t>
+            </a:r>
+          </a:p>
+        </p:txBody>
+      </p:sp>
+      <p:sp>
+        <p:nvSpPr>
+          <p:cNvPr id="4" name="Date Placeholder 3"/>
+          <p:cNvSpPr>
+            <a:spLocks noGrp="1"/>
+          </p:cNvSpPr>
+          <p:nvPr>
+            <p:ph type="dt" sz="half" idx="2"/>
           </p:nvPr>
         </p:nvSpPr>
         <p:spPr>
           <a:xfrm>
-            <a:off x="838200" y="1825625"/>
-            <a:ext cx="10515600" cy="4351338"/>
+            <a:off x="7821429" y="6238816"/>
+            <a:ext cx="2753746" cy="323968"/>
           </a:xfrm>
           <a:prstGeom prst="rect">
             <a:avLst/>
           </a:prstGeom>
         </p:spPr>
         <p:txBody>
-          <a:bodyPr vert="horz" lIns="91440" tIns="45720" rIns="91440" bIns="45720" rtlCol="0">
-            <a:normAutofit/>
-          </a:bodyPr>
-          <a:lstStyle/>
-          <a:p>
-            <a:pPr lvl="0"/>
-            <a:r>
-              <a:rPr lang="ru-RU" smtClean="0"/>
-              <a:t>Образец текста</a:t>
-            </a:r>
-          </a:p>
-          <a:p>
-            <a:pPr lvl="1"/>
-            <a:r>
-              <a:rPr lang="ru-RU" smtClean="0"/>
-              <a:t>Второй уровень</a:t>
-            </a:r>
-          </a:p>
-          <a:p>
-            <a:pPr lvl="2"/>
-            <a:r>
-              <a:rPr lang="ru-RU" smtClean="0"/>
-              <a:t>Третий уровень</a:t>
-            </a:r>
-          </a:p>
-          <a:p>
-            <a:pPr lvl="3"/>
-            <a:r>
-              <a:rPr lang="ru-RU" smtClean="0"/>
-              <a:t>Четвертый уровень</a:t>
-            </a:r>
-          </a:p>
-          <a:p>
-            <a:pPr lvl="4"/>
-            <a:r>
-              <a:rPr lang="ru-RU" smtClean="0"/>
-              <a:t>Пятый уровень</a:t>
-            </a:r>
-            <a:endParaRPr lang="ru-RU"/>
-          </a:p>
-        </p:txBody>
-      </p:sp>
-      <p:sp>
-        <p:nvSpPr>
-          <p:cNvPr id="4" name="Дата 3"/>
-          <p:cNvSpPr>
-            <a:spLocks noGrp="1"/>
-          </p:cNvSpPr>
-          <p:nvPr>
-            <p:ph type="dt" sz="half" idx="2"/>
+          <a:bodyPr vert="horz" lIns="91440" tIns="45720" rIns="91440" bIns="45720" rtlCol="0" anchor="ctr"/>
+          <a:lstStyle>
+            <a:lvl1pPr algn="r">
+              <a:defRPr sz="1050">
+                <a:solidFill>
+                  <a:schemeClr val="tx1">
+                    <a:alpha val="70000"/>
+                  </a:schemeClr>
+                </a:solidFill>
+              </a:defRPr>
+            </a:lvl1pPr>
+          </a:lstStyle>
+          <a:p>
+            <a:fld id="{1160EA64-D806-43AC-9DF2-F8C432F32B4C}" type="datetimeFigureOut">
+              <a:rPr lang="en-US" dirty="0"/>
+              <a:t>2/27/2022</a:t>
+            </a:fld>
+            <a:endParaRPr lang="en-US" dirty="0"/>
+          </a:p>
+        </p:txBody>
+      </p:sp>
+      <p:sp>
+        <p:nvSpPr>
+          <p:cNvPr id="5" name="Footer Placeholder 4"/>
+          <p:cNvSpPr>
+            <a:spLocks noGrp="1"/>
+          </p:cNvSpPr>
+          <p:nvPr>
+            <p:ph type="ftr" sz="quarter" idx="3"/>
           </p:nvPr>
         </p:nvSpPr>
         <p:spPr>
           <a:xfrm>
-            <a:off x="838200" y="6356350"/>
-            <a:ext cx="2743200" cy="365125"/>
+            <a:off x="1600200" y="6236208"/>
+            <a:ext cx="5901189" cy="320040"/>
           </a:xfrm>
           <a:prstGeom prst="rect">
             <a:avLst/>
@@ -2549,126 +2822,87 @@
           <a:bodyPr vert="horz" lIns="91440" tIns="45720" rIns="91440" bIns="45720" rtlCol="0" anchor="ctr"/>
           <a:lstStyle>
             <a:lvl1pPr algn="l">
-              <a:defRPr sz="1200">
+              <a:defRPr sz="1050">
                 <a:solidFill>
                   <a:schemeClr val="tx1">
-                    <a:tint val="75000"/>
+                    <a:alpha val="70000"/>
                   </a:schemeClr>
                 </a:solidFill>
               </a:defRPr>
             </a:lvl1pPr>
           </a:lstStyle>
           <a:p>
-            <a:fld id="{E849FCD7-4D3E-4190-AF57-0940B9CEE364}" type="datetimeFigureOut">
-              <a:rPr lang="ru-RU" smtClean="0"/>
-              <a:t>19.01.2022</a:t>
-            </a:fld>
-            <a:endParaRPr lang="ru-RU"/>
-          </a:p>
-        </p:txBody>
-      </p:sp>
-      <p:sp>
-        <p:nvSpPr>
-          <p:cNvPr id="5" name="Нижний колонтитул 4"/>
-          <p:cNvSpPr>
-            <a:spLocks noGrp="1"/>
-          </p:cNvSpPr>
-          <p:nvPr>
-            <p:ph type="ftr" sz="quarter" idx="3"/>
+            <a:endParaRPr lang="en-US" dirty="0"/>
+          </a:p>
+        </p:txBody>
+      </p:sp>
+      <p:sp>
+        <p:nvSpPr>
+          <p:cNvPr id="6" name="Slide Number Placeholder 5"/>
+          <p:cNvSpPr>
+            <a:spLocks noGrp="1"/>
+          </p:cNvSpPr>
+          <p:nvPr>
+            <p:ph type="sldNum" sz="quarter" idx="4"/>
           </p:nvPr>
         </p:nvSpPr>
         <p:spPr>
           <a:xfrm>
-            <a:off x="4038600" y="6356350"/>
-            <a:ext cx="4114800" cy="365125"/>
+            <a:off x="10758922" y="6217920"/>
+            <a:ext cx="365760" cy="365760"/>
           </a:xfrm>
-          <a:prstGeom prst="rect">
+          <a:prstGeom prst="ellipse">
             <a:avLst/>
           </a:prstGeom>
+          <a:solidFill>
+            <a:srgbClr val="1D1D1D">
+              <a:alpha val="70000"/>
+            </a:srgbClr>
+          </a:solidFill>
         </p:spPr>
         <p:txBody>
-          <a:bodyPr vert="horz" lIns="91440" tIns="45720" rIns="91440" bIns="45720" rtlCol="0" anchor="ctr"/>
+          <a:bodyPr vert="horz" lIns="18288" tIns="45720" rIns="18288" bIns="45720" rtlCol="0" anchor="ctr">
+            <a:noAutofit/>
+          </a:bodyPr>
           <a:lstStyle>
             <a:lvl1pPr algn="ctr">
-              <a:defRPr sz="1200">
+              <a:defRPr sz="1100" spc="0" baseline="0">
                 <a:solidFill>
-                  <a:schemeClr val="tx1">
-                    <a:tint val="75000"/>
-                  </a:schemeClr>
+                  <a:srgbClr val="FFFFFF"/>
                 </a:solidFill>
               </a:defRPr>
             </a:lvl1pPr>
           </a:lstStyle>
           <a:p>
-            <a:endParaRPr lang="ru-RU"/>
-          </a:p>
-        </p:txBody>
-      </p:sp>
-      <p:sp>
-        <p:nvSpPr>
-          <p:cNvPr id="6" name="Номер слайда 5"/>
-          <p:cNvSpPr>
-            <a:spLocks noGrp="1"/>
-          </p:cNvSpPr>
-          <p:nvPr>
-            <p:ph type="sldNum" sz="quarter" idx="4"/>
-          </p:nvPr>
-        </p:nvSpPr>
-        <p:spPr>
-          <a:xfrm>
-            <a:off x="8610600" y="6356350"/>
-            <a:ext cx="2743200" cy="365125"/>
-          </a:xfrm>
-          <a:prstGeom prst="rect">
-            <a:avLst/>
-          </a:prstGeom>
-        </p:spPr>
-        <p:txBody>
-          <a:bodyPr vert="horz" lIns="91440" tIns="45720" rIns="91440" bIns="45720" rtlCol="0" anchor="ctr"/>
-          <a:lstStyle>
-            <a:lvl1pPr algn="r">
-              <a:defRPr sz="1200">
-                <a:solidFill>
-                  <a:schemeClr val="tx1">
-                    <a:tint val="75000"/>
-                  </a:schemeClr>
-                </a:solidFill>
-              </a:defRPr>
-            </a:lvl1pPr>
-          </a:lstStyle>
-          <a:p>
-            <a:fld id="{B9444791-7B10-4673-8509-35F9258AD4C1}" type="slidenum">
-              <a:rPr lang="ru-RU" smtClean="0"/>
+            <a:fld id="{8A7A6979-0714-4377-B894-6BE4C2D6E202}" type="slidenum">
+              <a:rPr lang="en-US" dirty="0"/>
+              <a:pPr/>
               <a:t>‹#›</a:t>
             </a:fld>
-            <a:endParaRPr lang="ru-RU"/>
+            <a:endParaRPr lang="en-US" dirty="0"/>
           </a:p>
         </p:txBody>
       </p:sp>
     </p:spTree>
-    <p:extLst>
-      <p:ext uri="{BB962C8B-B14F-4D97-AF65-F5344CB8AC3E}">
-        <p14:creationId xmlns:p14="http://schemas.microsoft.com/office/powerpoint/2010/main" val="420705874"/>
-      </p:ext>
-    </p:extLst>
   </p:cSld>
   <p:clrMap bg1="lt1" tx1="dk1" bg2="lt2" tx2="dk2" accent1="accent1" accent2="accent2" accent3="accent3" accent4="accent4" accent5="accent5" accent6="accent6" hlink="hlink" folHlink="folHlink"/>
   <p:sldLayoutIdLst>
-    <p:sldLayoutId id="2147483649" r:id="rId1"/>
-    <p:sldLayoutId id="2147483650" r:id="rId2"/>
-    <p:sldLayoutId id="2147483651" r:id="rId3"/>
-    <p:sldLayoutId id="2147483652" r:id="rId4"/>
-    <p:sldLayoutId id="2147483653" r:id="rId5"/>
-    <p:sldLayoutId id="2147483654" r:id="rId6"/>
-    <p:sldLayoutId id="2147483655" r:id="rId7"/>
-    <p:sldLayoutId id="2147483656" r:id="rId8"/>
-    <p:sldLayoutId id="2147483657" r:id="rId9"/>
-    <p:sldLayoutId id="2147483658" r:id="rId10"/>
-    <p:sldLayoutId id="2147483659" r:id="rId11"/>
+    <p:sldLayoutId id="2147483697" r:id="rId1"/>
+    <p:sldLayoutId id="2147483698" r:id="rId2"/>
+    <p:sldLayoutId id="2147483699" r:id="rId3"/>
+    <p:sldLayoutId id="2147483700" r:id="rId4"/>
+    <p:sldLayoutId id="2147483701" r:id="rId5"/>
+    <p:sldLayoutId id="2147483702" r:id="rId6"/>
+    <p:sldLayoutId id="2147483703" r:id="rId7"/>
+    <p:sldLayoutId id="2147483704" r:id="rId8"/>
+    <p:sldLayoutId id="2147483705" r:id="rId9"/>
+    <p:sldLayoutId id="2147483706" r:id="rId10"/>
+    <p:sldLayoutId id="2147483707" r:id="rId11"/>
   </p:sldLayoutIdLst>
+  <p:hf sldNum="0" hdr="0" ftr="0" dt="0"/>
   <p:txStyles>
     <p:titleStyle>
-      <a:lvl1pPr algn="l" defTabSz="914400" rtl="0" eaLnBrk="1" latinLnBrk="0" hangingPunct="1">
+      <a:lvl1pPr algn="ctr" defTabSz="914400" rtl="0" eaLnBrk="1" latinLnBrk="0" hangingPunct="1">
         <a:lnSpc>
           <a:spcPct val="90000"/>
         </a:lnSpc>
@@ -2676,9 +2910,9 @@
           <a:spcPct val="0"/>
         </a:spcBef>
         <a:buNone/>
-        <a:defRPr sz="4400" kern="1200">
+        <a:defRPr sz="2800" kern="1200" cap="all" spc="200" baseline="0">
           <a:solidFill>
-            <a:schemeClr val="tx1"/>
+            <a:srgbClr val="262626"/>
           </a:solidFill>
           <a:latin typeface="+mj-lt"/>
           <a:ea typeface="+mj-ea"/>
@@ -2689,104 +2923,137 @@
     <p:bodyStyle>
       <a:lvl1pPr marL="228600" indent="-228600" algn="l" defTabSz="914400" rtl="0" eaLnBrk="1" latinLnBrk="0" hangingPunct="1">
         <a:lnSpc>
-          <a:spcPct val="90000"/>
+          <a:spcPct val="100000"/>
         </a:lnSpc>
         <a:spcBef>
           <a:spcPts val="1000"/>
         </a:spcBef>
+        <a:buClr>
+          <a:schemeClr val="accent2"/>
+        </a:buClr>
         <a:buFont typeface="Arial" panose="020B0604020202020204" pitchFamily="34" charset="0"/>
         <a:buChar char="•"/>
-        <a:defRPr sz="2800" kern="1200">
+        <a:defRPr sz="1800" kern="1200">
           <a:solidFill>
-            <a:schemeClr val="tx1"/>
+            <a:schemeClr val="tx1">
+              <a:lumMod val="85000"/>
+              <a:lumOff val="15000"/>
+            </a:schemeClr>
           </a:solidFill>
           <a:latin typeface="+mn-lt"/>
           <a:ea typeface="+mn-ea"/>
           <a:cs typeface="+mn-cs"/>
         </a:defRPr>
       </a:lvl1pPr>
-      <a:lvl2pPr marL="685800" indent="-228600" algn="l" defTabSz="914400" rtl="0" eaLnBrk="1" latinLnBrk="0" hangingPunct="1">
+      <a:lvl2pPr marL="457200" indent="-228600" algn="l" defTabSz="914400" rtl="0" eaLnBrk="1" latinLnBrk="0" hangingPunct="1">
         <a:lnSpc>
-          <a:spcPct val="90000"/>
+          <a:spcPct val="100000"/>
         </a:lnSpc>
         <a:spcBef>
-          <a:spcPts val="500"/>
+          <a:spcPts val="1000"/>
         </a:spcBef>
+        <a:buClr>
+          <a:schemeClr val="accent2"/>
+        </a:buClr>
         <a:buFont typeface="Arial" panose="020B0604020202020204" pitchFamily="34" charset="0"/>
         <a:buChar char="•"/>
-        <a:defRPr sz="2400" kern="1200">
+        <a:defRPr sz="1600" kern="1200">
           <a:solidFill>
-            <a:schemeClr val="tx1"/>
+            <a:schemeClr val="tx1">
+              <a:lumMod val="85000"/>
+              <a:lumOff val="15000"/>
+            </a:schemeClr>
           </a:solidFill>
           <a:latin typeface="+mn-lt"/>
           <a:ea typeface="+mn-ea"/>
           <a:cs typeface="+mn-cs"/>
         </a:defRPr>
       </a:lvl2pPr>
-      <a:lvl3pPr marL="1143000" indent="-228600" algn="l" defTabSz="914400" rtl="0" eaLnBrk="1" latinLnBrk="0" hangingPunct="1">
+      <a:lvl3pPr marL="685800" indent="-228600" algn="l" defTabSz="914400" rtl="0" eaLnBrk="1" latinLnBrk="0" hangingPunct="1">
         <a:lnSpc>
-          <a:spcPct val="90000"/>
+          <a:spcPct val="100000"/>
         </a:lnSpc>
         <a:spcBef>
-          <a:spcPts val="500"/>
+          <a:spcPts val="1000"/>
         </a:spcBef>
+        <a:buClr>
+          <a:schemeClr val="accent2"/>
+        </a:buClr>
         <a:buFont typeface="Arial" panose="020B0604020202020204" pitchFamily="34" charset="0"/>
         <a:buChar char="•"/>
-        <a:defRPr sz="2000" kern="1200">
+        <a:defRPr sz="1600" kern="1200">
           <a:solidFill>
-            <a:schemeClr val="tx1"/>
+            <a:schemeClr val="tx1">
+              <a:lumMod val="85000"/>
+              <a:lumOff val="15000"/>
+            </a:schemeClr>
           </a:solidFill>
           <a:latin typeface="+mn-lt"/>
           <a:ea typeface="+mn-ea"/>
           <a:cs typeface="+mn-cs"/>
         </a:defRPr>
       </a:lvl3pPr>
-      <a:lvl4pPr marL="1600200" indent="-228600" algn="l" defTabSz="914400" rtl="0" eaLnBrk="1" latinLnBrk="0" hangingPunct="1">
+      <a:lvl4pPr marL="914400" indent="-228600" algn="l" defTabSz="914400" rtl="0" eaLnBrk="1" latinLnBrk="0" hangingPunct="1">
         <a:lnSpc>
-          <a:spcPct val="90000"/>
+          <a:spcPct val="100000"/>
         </a:lnSpc>
         <a:spcBef>
-          <a:spcPts val="500"/>
+          <a:spcPts val="1000"/>
         </a:spcBef>
+        <a:buClr>
+          <a:schemeClr val="accent2"/>
+        </a:buClr>
         <a:buFont typeface="Arial" panose="020B0604020202020204" pitchFamily="34" charset="0"/>
         <a:buChar char="•"/>
-        <a:defRPr sz="1800" kern="1200">
+        <a:defRPr sz="1600" kern="1200">
           <a:solidFill>
-            <a:schemeClr val="tx1"/>
+            <a:schemeClr val="tx1">
+              <a:lumMod val="85000"/>
+              <a:lumOff val="15000"/>
+            </a:schemeClr>
           </a:solidFill>
           <a:latin typeface="+mn-lt"/>
           <a:ea typeface="+mn-ea"/>
           <a:cs typeface="+mn-cs"/>
         </a:defRPr>
       </a:lvl4pPr>
-      <a:lvl5pPr marL="2057400" indent="-228600" algn="l" defTabSz="914400" rtl="0" eaLnBrk="1" latinLnBrk="0" hangingPunct="1">
+      <a:lvl5pPr marL="1143000" indent="-228600" algn="l" defTabSz="914400" rtl="0" eaLnBrk="1" latinLnBrk="0" hangingPunct="1">
         <a:lnSpc>
-          <a:spcPct val="90000"/>
+          <a:spcPct val="100000"/>
         </a:lnSpc>
         <a:spcBef>
-          <a:spcPts val="500"/>
+          <a:spcPts val="1000"/>
         </a:spcBef>
+        <a:buClr>
+          <a:schemeClr val="accent2"/>
+        </a:buClr>
         <a:buFont typeface="Arial" panose="020B0604020202020204" pitchFamily="34" charset="0"/>
         <a:buChar char="•"/>
-        <a:defRPr sz="1800" kern="1200">
+        <a:defRPr sz="1600" kern="1200">
           <a:solidFill>
-            <a:schemeClr val="tx1"/>
+            <a:schemeClr val="tx1">
+              <a:lumMod val="85000"/>
+              <a:lumOff val="15000"/>
+            </a:schemeClr>
           </a:solidFill>
           <a:latin typeface="+mn-lt"/>
           <a:ea typeface="+mn-ea"/>
           <a:cs typeface="+mn-cs"/>
         </a:defRPr>
       </a:lvl5pPr>
-      <a:lvl6pPr marL="2514600" indent="-228600" algn="l" defTabSz="914400" rtl="0" eaLnBrk="1" latinLnBrk="0" hangingPunct="1">
+      <a:lvl6pPr marL="1312863" indent="-228600" algn="l" defTabSz="914400" rtl="0" eaLnBrk="1" latinLnBrk="0" hangingPunct="1">
         <a:lnSpc>
-          <a:spcPct val="90000"/>
+          <a:spcPct val="100000"/>
         </a:lnSpc>
         <a:spcBef>
-          <a:spcPts val="500"/>
+          <a:spcPts val="1000"/>
         </a:spcBef>
+        <a:buClr>
+          <a:schemeClr val="accent2"/>
+        </a:buClr>
         <a:buFont typeface="Arial" panose="020B0604020202020204" pitchFamily="34" charset="0"/>
         <a:buChar char="•"/>
-        <a:defRPr sz="1800" kern="1200">
+        <a:defRPr sz="1600" kern="1200">
           <a:solidFill>
             <a:schemeClr val="tx1"/>
           </a:solidFill>
@@ -2795,16 +3062,19 @@
           <a:cs typeface="+mn-cs"/>
         </a:defRPr>
       </a:lvl6pPr>
-      <a:lvl7pPr marL="2971800" indent="-228600" algn="l" defTabSz="914400" rtl="0" eaLnBrk="1" latinLnBrk="0" hangingPunct="1">
+      <a:lvl7pPr marL="1484313" indent="-228600" algn="l" defTabSz="914400" rtl="0" eaLnBrk="1" latinLnBrk="0" hangingPunct="1">
         <a:lnSpc>
-          <a:spcPct val="90000"/>
+          <a:spcPct val="100000"/>
         </a:lnSpc>
         <a:spcBef>
-          <a:spcPts val="500"/>
+          <a:spcPts val="1000"/>
         </a:spcBef>
+        <a:buClr>
+          <a:schemeClr val="accent2"/>
+        </a:buClr>
         <a:buFont typeface="Arial" panose="020B0604020202020204" pitchFamily="34" charset="0"/>
         <a:buChar char="•"/>
-        <a:defRPr sz="1800" kern="1200">
+        <a:defRPr sz="1600" kern="1200">
           <a:solidFill>
             <a:schemeClr val="tx1"/>
           </a:solidFill>
@@ -2813,16 +3083,19 @@
           <a:cs typeface="+mn-cs"/>
         </a:defRPr>
       </a:lvl7pPr>
-      <a:lvl8pPr marL="3429000" indent="-228600" algn="l" defTabSz="914400" rtl="0" eaLnBrk="1" latinLnBrk="0" hangingPunct="1">
+      <a:lvl8pPr marL="1657350" indent="-228600" algn="l" defTabSz="914400" rtl="0" eaLnBrk="1" latinLnBrk="0" hangingPunct="1">
         <a:lnSpc>
-          <a:spcPct val="90000"/>
+          <a:spcPct val="100000"/>
         </a:lnSpc>
         <a:spcBef>
-          <a:spcPts val="500"/>
+          <a:spcPts val="1000"/>
         </a:spcBef>
+        <a:buClr>
+          <a:schemeClr val="accent2"/>
+        </a:buClr>
         <a:buFont typeface="Arial" panose="020B0604020202020204" pitchFamily="34" charset="0"/>
         <a:buChar char="•"/>
-        <a:defRPr sz="1800" kern="1200">
+        <a:defRPr sz="1600" kern="1200" baseline="0">
           <a:solidFill>
             <a:schemeClr val="tx1"/>
           </a:solidFill>
@@ -2831,16 +3104,19 @@
           <a:cs typeface="+mn-cs"/>
         </a:defRPr>
       </a:lvl8pPr>
-      <a:lvl9pPr marL="3886200" indent="-228600" algn="l" defTabSz="914400" rtl="0" eaLnBrk="1" latinLnBrk="0" hangingPunct="1">
+      <a:lvl9pPr marL="1882775" indent="-228600" algn="l" defTabSz="914400" rtl="0" eaLnBrk="1" latinLnBrk="0" hangingPunct="1">
         <a:lnSpc>
-          <a:spcPct val="90000"/>
+          <a:spcPct val="100000"/>
         </a:lnSpc>
         <a:spcBef>
-          <a:spcPts val="500"/>
+          <a:spcPts val="1000"/>
         </a:spcBef>
+        <a:buClr>
+          <a:schemeClr val="accent2"/>
+        </a:buClr>
         <a:buFont typeface="Arial" panose="020B0604020202020204" pitchFamily="34" charset="0"/>
         <a:buChar char="•"/>
-        <a:defRPr sz="1800" kern="1200">
+        <a:defRPr sz="1600" kern="1200" baseline="0">
           <a:solidFill>
             <a:schemeClr val="tx1"/>
           </a:solidFill>
@@ -2852,7 +3128,7 @@
     </p:bodyStyle>
     <p:otherStyle>
       <a:defPPr>
-        <a:defRPr lang="ru-RU"/>
+        <a:defRPr lang="en-US"/>
       </a:defPPr>
       <a:lvl1pPr marL="0" algn="l" defTabSz="914400" rtl="0" eaLnBrk="1" latinLnBrk="0" hangingPunct="1">
         <a:defRPr sz="1800" kern="1200">
@@ -2983,7 +3259,7 @@
           <a:p>
             <a:r>
               <a:rPr lang="ru-RU" dirty="0" smtClean="0"/>
-              <a:t>Игра «Морской бой»</a:t>
+              <a:t>Игра «морской бой»</a:t>
             </a:r>
             <a:endParaRPr lang="ru-RU" dirty="0"/>
           </a:p>
@@ -3001,21 +3277,34 @@
         </p:nvSpPr>
         <p:spPr/>
         <p:txBody>
-          <a:bodyPr/>
+          <a:bodyPr>
+            <a:normAutofit lnSpcReduction="10000"/>
+          </a:bodyPr>
           <a:lstStyle/>
           <a:p>
             <a:r>
               <a:rPr lang="ru-RU" dirty="0" smtClean="0"/>
-              <a:t>  </a:t>
-            </a:r>
-            <a:endParaRPr lang="ru-RU" dirty="0"/>
+              <a:t>Выполнили:</a:t>
+            </a:r>
+          </a:p>
+          <a:p>
+            <a:r>
+              <a:rPr lang="ru-RU" dirty="0" smtClean="0"/>
+              <a:t>Волынчикова Екатерина</a:t>
+            </a:r>
+          </a:p>
+          <a:p>
+            <a:r>
+              <a:rPr lang="ru-RU" dirty="0" smtClean="0"/>
+              <a:t>Толстых Николай</a:t>
+            </a:r>
           </a:p>
         </p:txBody>
       </p:sp>
     </p:spTree>
     <p:extLst>
       <p:ext uri="{BB962C8B-B14F-4D97-AF65-F5344CB8AC3E}">
-        <p14:creationId xmlns:p14="http://schemas.microsoft.com/office/powerpoint/2010/main" val="2444667938"/>
+        <p14:creationId xmlns:p14="http://schemas.microsoft.com/office/powerpoint/2010/main" val="97664841"/>
       </p:ext>
     </p:extLst>
   </p:cSld>
@@ -3059,7 +3348,7 @@
           <a:p>
             <a:r>
               <a:rPr lang="ru-RU" dirty="0" smtClean="0"/>
-              <a:t>Техническое задание:</a:t>
+              <a:t>введение</a:t>
             </a:r>
             <a:endParaRPr lang="ru-RU" dirty="0"/>
           </a:p>
@@ -3075,61 +3364,103 @@
             <p:ph idx="1"/>
           </p:nvPr>
         </p:nvSpPr>
-        <p:spPr/>
-        <p:txBody>
-          <a:bodyPr>
-            <a:normAutofit/>
-          </a:bodyPr>
-          <a:lstStyle/>
-          <a:p>
-            <a:pPr fontAlgn="base"/>
+        <p:spPr>
+          <a:xfrm>
+            <a:off x="309203" y="2629577"/>
+            <a:ext cx="6294797" cy="3101983"/>
+          </a:xfrm>
+        </p:spPr>
+        <p:txBody>
+          <a:bodyPr/>
+          <a:lstStyle/>
+          <a:p>
             <a:r>
               <a:rPr lang="ru-RU" dirty="0"/>
-              <a:t>И</a:t>
+              <a:t>Игра для двух игроков, целью которых является победить другого игрока, уничтожив все его корабли, а </a:t>
             </a:r>
             <a:r>
               <a:rPr lang="ru-RU" dirty="0" smtClean="0"/>
-              <a:t>гра</a:t>
+              <a:t>также             </a:t>
             </a:r>
             <a:r>
               <a:rPr lang="ru-RU" dirty="0"/>
-              <a:t> для двух </a:t>
+              <a:t> </a:t>
             </a:r>
             <a:r>
               <a:rPr lang="ru-RU" dirty="0" smtClean="0"/>
-              <a:t>игроков, которые по </a:t>
+              <a:t>улучшить</a:t>
             </a:r>
             <a:r>
               <a:rPr lang="ru-RU" dirty="0"/>
-              <a:t>очереди называют координаты на неизвестной им карте соперника. Если у соперника по этим координатам имеется корабль </a:t>
+              <a:t> </a:t>
             </a:r>
             <a:r>
               <a:rPr lang="ru-RU" dirty="0" smtClean="0"/>
-              <a:t>то </a:t>
+              <a:t>свой</a:t>
             </a:r>
             <a:r>
               <a:rPr lang="ru-RU" dirty="0"/>
-              <a:t>корабль или его часть «топится», а попавший получает право сделать ещё один ход. Цель игрока — первым потопить все корабли противника</a:t>
+              <a:t> </a:t>
             </a:r>
             <a:r>
               <a:rPr lang="ru-RU" dirty="0" smtClean="0"/>
-              <a:t>.</a:t>
-            </a:r>
-          </a:p>
-          <a:p>
-            <a:pPr fontAlgn="base"/>
+              <a:t>результат</a:t>
+            </a:r>
+            <a:r>
+              <a:rPr lang="ru-RU" dirty="0"/>
+              <a:t> по сравнению с </a:t>
+            </a:r>
             <a:r>
               <a:rPr lang="ru-RU" dirty="0" smtClean="0"/>
-              <a:t>Игрок так же может играть в одиночку</a:t>
+              <a:t>другими                 </a:t>
+            </a:r>
+            <a:r>
+              <a:rPr lang="ru-RU" dirty="0"/>
+              <a:t> игроками. При запуске игры можно посмотреть результат </a:t>
+            </a:r>
+            <a:r>
+              <a:rPr lang="ru-RU" dirty="0" smtClean="0"/>
+              <a:t> любого</a:t>
+            </a:r>
+            <a:r>
+              <a:rPr lang="ru-RU" dirty="0"/>
+              <a:t> </a:t>
+            </a:r>
+            <a:r>
+              <a:rPr lang="ru-RU" dirty="0" smtClean="0"/>
+              <a:t>игрока.</a:t>
             </a:r>
             <a:endParaRPr lang="ru-RU" dirty="0"/>
           </a:p>
         </p:txBody>
       </p:sp>
+      <p:pic>
+        <p:nvPicPr>
+          <p:cNvPr id="5" name="Рисунок 4"/>
+          <p:cNvPicPr>
+            <a:picLocks noChangeAspect="1"/>
+          </p:cNvPicPr>
+          <p:nvPr/>
+        </p:nvPicPr>
+        <p:blipFill rotWithShape="1">
+          <a:blip r:embed="rId2"/>
+          <a:srcRect l="34398" t="23759" r="34309" b="31796"/>
+          <a:stretch/>
+        </p:blipFill>
+        <p:spPr>
+          <a:xfrm>
+            <a:off x="7086600" y="2701343"/>
+            <a:ext cx="3793067" cy="3030217"/>
+          </a:xfrm>
+          <a:prstGeom prst="rect">
+            <a:avLst/>
+          </a:prstGeom>
+        </p:spPr>
+      </p:pic>
     </p:spTree>
     <p:extLst>
       <p:ext uri="{BB962C8B-B14F-4D97-AF65-F5344CB8AC3E}">
-        <p14:creationId xmlns:p14="http://schemas.microsoft.com/office/powerpoint/2010/main" val="3067241251"/>
+        <p14:creationId xmlns:p14="http://schemas.microsoft.com/office/powerpoint/2010/main" val="896575290"/>
       </p:ext>
     </p:extLst>
   </p:cSld>
@@ -3166,20 +3497,209 @@
             <p:ph type="title"/>
           </p:nvPr>
         </p:nvSpPr>
+        <p:spPr/>
+        <p:txBody>
+          <a:bodyPr/>
+          <a:lstStyle/>
+          <a:p>
+            <a:r>
+              <a:rPr lang="ru-RU" dirty="0" smtClean="0"/>
+              <a:t>Реализация игры</a:t>
+            </a:r>
+            <a:endParaRPr lang="ru-RU" dirty="0"/>
+          </a:p>
+        </p:txBody>
+      </p:sp>
+      <p:sp>
+        <p:nvSpPr>
+          <p:cNvPr id="3" name="Объект 2"/>
+          <p:cNvSpPr>
+            <a:spLocks noGrp="1"/>
+          </p:cNvSpPr>
+          <p:nvPr>
+            <p:ph idx="1"/>
+          </p:nvPr>
+        </p:nvSpPr>
+        <p:spPr/>
+        <p:txBody>
+          <a:bodyPr/>
+          <a:lstStyle/>
+          <a:p>
+            <a:pPr marL="0" indent="0">
+              <a:buNone/>
+            </a:pPr>
+            <a:r>
+              <a:rPr lang="ru-RU" dirty="0" smtClean="0"/>
+              <a:t>За</a:t>
+            </a:r>
+            <a:r>
+              <a:rPr lang="ru-RU" dirty="0"/>
+              <a:t> работу программы отвечают библиотеки:</a:t>
+            </a:r>
+          </a:p>
+          <a:p>
+            <a:r>
+              <a:rPr lang="ru-RU" b="1" dirty="0"/>
+              <a:t>PyGame</a:t>
+            </a:r>
+            <a:r>
+              <a:rPr lang="ru-RU" dirty="0"/>
+              <a:t> - игровой процесс</a:t>
+            </a:r>
+          </a:p>
+          <a:p>
+            <a:r>
+              <a:rPr lang="ru-RU" b="1" dirty="0"/>
+              <a:t>PyQT5</a:t>
+            </a:r>
+            <a:r>
+              <a:rPr lang="ru-RU" dirty="0"/>
+              <a:t> - графическое оформление</a:t>
+            </a:r>
+          </a:p>
+          <a:p>
+            <a:r>
+              <a:rPr lang="ru-RU" b="1" dirty="0"/>
+              <a:t>SQLite</a:t>
+            </a:r>
+            <a:r>
+              <a:rPr lang="ru-RU" dirty="0"/>
+              <a:t> - запись и отображение данных игроков</a:t>
+            </a:r>
+          </a:p>
+          <a:p>
+            <a:r>
+              <a:rPr lang="ru-RU" b="1" dirty="0"/>
+              <a:t>sys</a:t>
+            </a:r>
+            <a:endParaRPr lang="ru-RU" dirty="0"/>
+          </a:p>
+          <a:p>
+            <a:r>
+              <a:rPr lang="ru-RU" b="1" dirty="0"/>
+              <a:t>os</a:t>
+            </a:r>
+            <a:r>
+              <a:rPr lang="ru-RU" dirty="0"/>
+              <a:t> - работа с файлами</a:t>
+            </a:r>
+          </a:p>
+        </p:txBody>
+      </p:sp>
+    </p:spTree>
+    <p:extLst>
+      <p:ext uri="{BB962C8B-B14F-4D97-AF65-F5344CB8AC3E}">
+        <p14:creationId xmlns:p14="http://schemas.microsoft.com/office/powerpoint/2010/main" val="3343390451"/>
+      </p:ext>
+    </p:extLst>
+  </p:cSld>
+  <p:clrMapOvr>
+    <a:masterClrMapping/>
+  </p:clrMapOvr>
+</p:sld>
+</file>
+
+<file path=ppt/slides/slide4.xml><?xml version="1.0" encoding="utf-8"?>
+<p:sld xmlns:a="http://schemas.openxmlformats.org/drawingml/2006/main" xmlns:r="http://schemas.openxmlformats.org/officeDocument/2006/relationships" xmlns:p="http://schemas.openxmlformats.org/presentationml/2006/main">
+  <p:cSld>
+    <p:spTree>
+      <p:nvGrpSpPr>
+        <p:cNvPr id="1" name=""/>
+        <p:cNvGrpSpPr/>
+        <p:nvPr/>
+      </p:nvGrpSpPr>
+      <p:grpSpPr>
+        <a:xfrm>
+          <a:off x="0" y="0"/>
+          <a:ext cx="0" cy="0"/>
+          <a:chOff x="0" y="0"/>
+          <a:chExt cx="0" cy="0"/>
+        </a:xfrm>
+      </p:grpSpPr>
+      <p:sp>
+        <p:nvSpPr>
+          <p:cNvPr id="2" name="Заголовок 1"/>
+          <p:cNvSpPr>
+            <a:spLocks noGrp="1"/>
+          </p:cNvSpPr>
+          <p:nvPr>
+            <p:ph type="title"/>
+          </p:nvPr>
+        </p:nvSpPr>
         <p:spPr>
           <a:xfrm>
-            <a:off x="838200" y="347708"/>
-            <a:ext cx="10515600" cy="1325563"/>
+            <a:off x="779145" y="804672"/>
+            <a:ext cx="4486656" cy="1141497"/>
           </a:xfrm>
         </p:spPr>
         <p:txBody>
           <a:bodyPr/>
           <a:lstStyle/>
           <a:p>
-            <a:pPr algn="ctr"/>
             <a:r>
               <a:rPr lang="ru-RU" dirty="0" smtClean="0"/>
-              <a:t>Меню</a:t>
+              <a:t> ход игры</a:t>
+            </a:r>
+            <a:endParaRPr lang="ru-RU" dirty="0"/>
+          </a:p>
+        </p:txBody>
+      </p:sp>
+      <p:sp>
+        <p:nvSpPr>
+          <p:cNvPr id="4" name="Текст 3"/>
+          <p:cNvSpPr>
+            <a:spLocks noGrp="1"/>
+          </p:cNvSpPr>
+          <p:nvPr>
+            <p:ph type="body" sz="half" idx="2"/>
+          </p:nvPr>
+        </p:nvSpPr>
+        <p:spPr>
+          <a:xfrm>
+            <a:off x="1125093" y="2287667"/>
+            <a:ext cx="3794760" cy="2194036"/>
+          </a:xfrm>
+        </p:spPr>
+        <p:txBody>
+          <a:bodyPr/>
+          <a:lstStyle/>
+          <a:p>
+            <a:r>
+              <a:rPr lang="ru-RU" dirty="0" smtClean="0"/>
+              <a:t>Для начала необходимо ввести имя каждого игрока, если не ввести имя, оно будет задано автоматически. </a:t>
+            </a:r>
+            <a:r>
+              <a:rPr lang="en-US" dirty="0" smtClean="0"/>
+              <a:t>FIRST </a:t>
+            </a:r>
+            <a:r>
+              <a:rPr lang="ru-RU" dirty="0" smtClean="0"/>
+              <a:t>-</a:t>
+            </a:r>
+            <a:r>
+              <a:rPr lang="en-US" dirty="0" smtClean="0"/>
+              <a:t> </a:t>
+            </a:r>
+            <a:r>
+              <a:rPr lang="ru-RU" dirty="0" smtClean="0"/>
+              <a:t>для первого игрока и </a:t>
+            </a:r>
+            <a:r>
+              <a:rPr lang="en-US" dirty="0" smtClean="0"/>
+              <a:t>SECOND </a:t>
+            </a:r>
+            <a:r>
+              <a:rPr lang="ru-RU" dirty="0" smtClean="0"/>
+              <a:t>- для второго</a:t>
+            </a:r>
+          </a:p>
+          <a:p>
+            <a:endParaRPr lang="ru-RU" dirty="0"/>
+          </a:p>
+          <a:p>
+            <a:r>
+              <a:rPr lang="ru-RU" dirty="0" smtClean="0"/>
+              <a:t>Каждому игроку нужно расставить свои корабли на поле и игра начнется</a:t>
             </a:r>
             <a:endParaRPr lang="ru-RU" dirty="0"/>
           </a:p>
@@ -3187,85 +3707,275 @@
       </p:sp>
       <p:pic>
         <p:nvPicPr>
-          <p:cNvPr id="1028" name="Picture 4" descr="https://psv4.userapi.com/c237131/u282689010/docs/d2/5c38ee20fbc1/StartWin.png?extra=6NhxsbzzEaZiOBZuh8bs4XLPp_wHLp62ZvzEBBH0eKTMySZ7hCQWYUzisEX_29Nf93cvyGZr0nRIDPfm4x6W68TtJgnvnoYg8dwrz4EkW8Hb8C0hvGy_o5XShTlXepzVb_3klHFT5FqgRsBnL3iWgYJZ"/>
+          <p:cNvPr id="5" name="Объект 4"/>
           <p:cNvPicPr>
-            <a:picLocks noChangeAspect="1" noChangeArrowheads="1"/>
+            <a:picLocks noGrp="1" noChangeAspect="1"/>
           </p:cNvPicPr>
-          <p:nvPr/>
+          <p:nvPr>
+            <p:ph idx="1"/>
+          </p:nvPr>
         </p:nvPicPr>
-        <p:blipFill>
-          <a:blip r:embed="rId2">
-            <a:extLst>
-              <a:ext uri="{28A0092B-C50C-407E-A947-70E740481C1C}">
-                <a14:useLocalDpi xmlns:a14="http://schemas.microsoft.com/office/drawing/2010/main" val="0"/>
-              </a:ext>
-            </a:extLst>
-          </a:blip>
-          <a:srcRect/>
-          <a:stretch>
-            <a:fillRect/>
-          </a:stretch>
+        <p:blipFill rotWithShape="1">
+          <a:blip r:embed="rId2"/>
+          <a:srcRect l="44682" t="39825" r="44670" b="48158"/>
+          <a:stretch/>
         </p:blipFill>
-        <p:spPr bwMode="auto">
+        <p:spPr>
           <a:xfrm>
-            <a:off x="3064238" y="2557144"/>
-            <a:ext cx="5143500" cy="4067176"/>
+            <a:off x="8180918" y="804672"/>
+            <a:ext cx="1947332" cy="1236134"/>
           </a:xfrm>
           <a:prstGeom prst="rect">
             <a:avLst/>
           </a:prstGeom>
-          <a:noFill/>
-          <a:extLst>
-            <a:ext uri="{909E8E84-426E-40DD-AFC4-6F175D3DCCD1}">
-              <a14:hiddenFill xmlns:a14="http://schemas.microsoft.com/office/drawing/2010/main">
-                <a:solidFill>
-                  <a:srgbClr val="FFFFFF"/>
-                </a:solidFill>
-              </a14:hiddenFill>
-            </a:ext>
-          </a:extLst>
         </p:spPr>
       </p:pic>
-      <p:sp>
-        <p:nvSpPr>
-          <p:cNvPr id="6" name="Объект 5"/>
-          <p:cNvSpPr>
-            <a:spLocks noGrp="1"/>
-          </p:cNvSpPr>
-          <p:nvPr>
-            <p:ph idx="1"/>
-          </p:nvPr>
-        </p:nvSpPr>
+      <p:pic>
+        <p:nvPicPr>
+          <p:cNvPr id="8" name="Рисунок 7"/>
+          <p:cNvPicPr>
+            <a:picLocks noChangeAspect="1"/>
+          </p:cNvPicPr>
+          <p:nvPr/>
+        </p:nvPicPr>
+        <p:blipFill rotWithShape="1">
+          <a:blip r:embed="rId3"/>
+          <a:srcRect l="39667" t="28148" r="39526" b="31482"/>
+          <a:stretch/>
+        </p:blipFill>
         <p:spPr>
           <a:xfrm>
-            <a:off x="707572" y="1372780"/>
-            <a:ext cx="10515600" cy="4351338"/>
+            <a:off x="7234344" y="2247900"/>
+            <a:ext cx="3805131" cy="4152900"/>
           </a:xfrm>
+          <a:prstGeom prst="rect">
+            <a:avLst/>
+          </a:prstGeom>
         </p:spPr>
-        <p:txBody>
-          <a:bodyPr/>
-          <a:lstStyle/>
-          <a:p>
-            <a:r>
-              <a:rPr lang="ru-RU" dirty="0" smtClean="0"/>
-              <a:t>Меню представляет собой </a:t>
-            </a:r>
-            <a:r>
-              <a:rPr lang="ru-RU" dirty="0" err="1" smtClean="0"/>
-              <a:t>виджет</a:t>
-            </a:r>
-            <a:r>
-              <a:rPr lang="ru-RU" dirty="0" smtClean="0"/>
-              <a:t> с кнопками, способными запустить игру, позволить пользователю посмотреть результаты или поменять какие-либо настройки</a:t>
-            </a:r>
-            <a:endParaRPr lang="ru-RU" dirty="0"/>
-          </a:p>
-        </p:txBody>
-      </p:sp>
+      </p:pic>
     </p:spTree>
     <p:extLst>
       <p:ext uri="{BB962C8B-B14F-4D97-AF65-F5344CB8AC3E}">
-        <p14:creationId xmlns:p14="http://schemas.microsoft.com/office/powerpoint/2010/main" val="1088287026"/>
+        <p14:creationId xmlns:p14="http://schemas.microsoft.com/office/powerpoint/2010/main" val="4028087219"/>
+      </p:ext>
+    </p:extLst>
+  </p:cSld>
+  <p:clrMapOvr>
+    <a:masterClrMapping/>
+  </p:clrMapOvr>
+</p:sld>
+</file>
+
+<file path=ppt/slides/slide5.xml><?xml version="1.0" encoding="utf-8"?>
+<p:sld xmlns:a="http://schemas.openxmlformats.org/drawingml/2006/main" xmlns:r="http://schemas.openxmlformats.org/officeDocument/2006/relationships" xmlns:p="http://schemas.openxmlformats.org/presentationml/2006/main">
+  <p:cSld>
+    <p:spTree>
+      <p:nvGrpSpPr>
+        <p:cNvPr id="1" name=""/>
+        <p:cNvGrpSpPr/>
+        <p:nvPr/>
+      </p:nvGrpSpPr>
+      <p:grpSpPr>
+        <a:xfrm>
+          <a:off x="0" y="0"/>
+          <a:ext cx="0" cy="0"/>
+          <a:chOff x="0" y="0"/>
+          <a:chExt cx="0" cy="0"/>
+        </a:xfrm>
+      </p:grpSpPr>
+      <p:sp>
+        <p:nvSpPr>
+          <p:cNvPr id="2" name="Заголовок 1"/>
+          <p:cNvSpPr>
+            <a:spLocks noGrp="1"/>
+          </p:cNvSpPr>
+          <p:nvPr>
+            <p:ph type="title"/>
+          </p:nvPr>
+        </p:nvSpPr>
+        <p:spPr/>
+        <p:txBody>
+          <a:bodyPr/>
+          <a:lstStyle/>
+          <a:p>
+            <a:r>
+              <a:rPr lang="ru-RU" dirty="0" smtClean="0"/>
+              <a:t> </a:t>
+            </a:r>
+            <a:endParaRPr lang="ru-RU" dirty="0"/>
+          </a:p>
+        </p:txBody>
+      </p:sp>
+      <p:sp>
+        <p:nvSpPr>
+          <p:cNvPr id="3" name="Объект 2"/>
+          <p:cNvSpPr>
+            <a:spLocks noGrp="1"/>
+          </p:cNvSpPr>
+          <p:nvPr>
+            <p:ph idx="1"/>
+          </p:nvPr>
+        </p:nvSpPr>
+        <p:spPr>
+          <a:xfrm>
+            <a:off x="2383536" y="1103158"/>
+            <a:ext cx="7729728" cy="3101983"/>
+          </a:xfrm>
+        </p:spPr>
+        <p:txBody>
+          <a:bodyPr/>
+          <a:lstStyle/>
+          <a:p>
+            <a:pPr marL="0" indent="0">
+              <a:buNone/>
+            </a:pPr>
+            <a:r>
+              <a:rPr lang="ru-RU" dirty="0" smtClean="0"/>
+              <a:t>Когда один из игроков уничтожит все судна противника, игра автоматически закончится. Игроки увидят окно с именем победителя, а также таблицу с результатами игры</a:t>
+            </a:r>
+            <a:endParaRPr lang="ru-RU" dirty="0"/>
+          </a:p>
+        </p:txBody>
+      </p:sp>
+      <p:pic>
+        <p:nvPicPr>
+          <p:cNvPr id="4" name="Рисунок 3"/>
+          <p:cNvPicPr>
+            <a:picLocks noChangeAspect="1"/>
+          </p:cNvPicPr>
+          <p:nvPr/>
+        </p:nvPicPr>
+        <p:blipFill rotWithShape="1">
+          <a:blip r:embed="rId2"/>
+          <a:srcRect l="39536" t="27839" r="39680" b="31280"/>
+          <a:stretch/>
+        </p:blipFill>
+        <p:spPr>
+          <a:xfrm>
+            <a:off x="2667181" y="2446809"/>
+            <a:ext cx="3428819" cy="3793587"/>
+          </a:xfrm>
+          <a:prstGeom prst="rect">
+            <a:avLst/>
+          </a:prstGeom>
+        </p:spPr>
+      </p:pic>
+      <p:pic>
+        <p:nvPicPr>
+          <p:cNvPr id="8" name="Рисунок 7"/>
+          <p:cNvPicPr>
+            <a:picLocks noChangeAspect="1"/>
+          </p:cNvPicPr>
+          <p:nvPr/>
+        </p:nvPicPr>
+        <p:blipFill rotWithShape="1">
+          <a:blip r:embed="rId2"/>
+          <a:srcRect l="63610" t="25040" r="17392" b="36218"/>
+          <a:stretch/>
+        </p:blipFill>
+        <p:spPr>
+          <a:xfrm>
+            <a:off x="6976001" y="2793946"/>
+            <a:ext cx="2701834" cy="3099311"/>
+          </a:xfrm>
+          <a:prstGeom prst="rect">
+            <a:avLst/>
+          </a:prstGeom>
+        </p:spPr>
+      </p:pic>
+    </p:spTree>
+    <p:extLst>
+      <p:ext uri="{BB962C8B-B14F-4D97-AF65-F5344CB8AC3E}">
+        <p14:creationId xmlns:p14="http://schemas.microsoft.com/office/powerpoint/2010/main" val="2166784367"/>
+      </p:ext>
+    </p:extLst>
+  </p:cSld>
+  <p:clrMapOvr>
+    <a:masterClrMapping/>
+  </p:clrMapOvr>
+</p:sld>
+</file>
+
+<file path=ppt/slides/slide6.xml><?xml version="1.0" encoding="utf-8"?>
+<p:sld xmlns:a="http://schemas.openxmlformats.org/drawingml/2006/main" xmlns:r="http://schemas.openxmlformats.org/officeDocument/2006/relationships" xmlns:p="http://schemas.openxmlformats.org/presentationml/2006/main">
+  <p:cSld>
+    <p:spTree>
+      <p:nvGrpSpPr>
+        <p:cNvPr id="1" name=""/>
+        <p:cNvGrpSpPr/>
+        <p:nvPr/>
+      </p:nvGrpSpPr>
+      <p:grpSpPr>
+        <a:xfrm>
+          <a:off x="0" y="0"/>
+          <a:ext cx="0" cy="0"/>
+          <a:chOff x="0" y="0"/>
+          <a:chExt cx="0" cy="0"/>
+        </a:xfrm>
+      </p:grpSpPr>
+      <p:sp>
+        <p:nvSpPr>
+          <p:cNvPr id="2" name="Заголовок 1"/>
+          <p:cNvSpPr>
+            <a:spLocks noGrp="1"/>
+          </p:cNvSpPr>
+          <p:nvPr>
+            <p:ph type="title"/>
+          </p:nvPr>
+        </p:nvSpPr>
+        <p:spPr/>
+        <p:txBody>
+          <a:bodyPr/>
+          <a:lstStyle/>
+          <a:p>
+            <a:r>
+              <a:rPr lang="ru-RU" dirty="0" smtClean="0"/>
+              <a:t>Возможности дальнейшего развития игры</a:t>
+            </a:r>
+            <a:endParaRPr lang="ru-RU" dirty="0"/>
+          </a:p>
+        </p:txBody>
+      </p:sp>
+      <p:sp>
+        <p:nvSpPr>
+          <p:cNvPr id="3" name="Объект 2"/>
+          <p:cNvSpPr>
+            <a:spLocks noGrp="1"/>
+          </p:cNvSpPr>
+          <p:nvPr>
+            <p:ph idx="1"/>
+          </p:nvPr>
+        </p:nvSpPr>
+        <p:spPr/>
+        <p:txBody>
+          <a:bodyPr/>
+          <a:lstStyle/>
+          <a:p>
+            <a:r>
+              <a:rPr lang="ru-RU" dirty="0" smtClean="0"/>
+              <a:t>Создание возможности играть с искусственным интеллектом</a:t>
+            </a:r>
+            <a:endParaRPr lang="ru-RU" dirty="0"/>
+          </a:p>
+          <a:p>
+            <a:r>
+              <a:rPr lang="ru-RU" dirty="0" smtClean="0"/>
+              <a:t>Добавление изображения кораблей</a:t>
+            </a:r>
+          </a:p>
+          <a:p>
+            <a:r>
+              <a:rPr lang="ru-RU" dirty="0" smtClean="0"/>
+              <a:t>Возможность расстановки более сложных кораблей</a:t>
+            </a:r>
+            <a:endParaRPr lang="ru-RU" dirty="0"/>
+          </a:p>
+        </p:txBody>
+      </p:sp>
+    </p:spTree>
+    <p:extLst>
+      <p:ext uri="{BB962C8B-B14F-4D97-AF65-F5344CB8AC3E}">
+        <p14:creationId xmlns:p14="http://schemas.microsoft.com/office/powerpoint/2010/main" val="2786580722"/>
       </p:ext>
     </p:extLst>
   </p:cSld>
@@ -3276,91 +3986,58 @@
 </file>
 
 <file path=ppt/theme/theme1.xml><?xml version="1.0" encoding="utf-8"?>
-<a:theme xmlns:a="http://schemas.openxmlformats.org/drawingml/2006/main" name="Тема Office">
+<a:theme xmlns:a="http://schemas.openxmlformats.org/drawingml/2006/main" name="Parcel">
   <a:themeElements>
-    <a:clrScheme name="Стандартная">
+    <a:clrScheme name="Parcel">
       <a:dk1>
-        <a:sysClr val="windowText" lastClr="000000"/>
+        <a:srgbClr val="000000"/>
       </a:dk1>
       <a:lt1>
-        <a:sysClr val="window" lastClr="FFFFFF"/>
+        <a:srgbClr val="FFFFFF"/>
       </a:lt1>
       <a:dk2>
-        <a:srgbClr val="44546A"/>
+        <a:srgbClr val="4A5356"/>
       </a:dk2>
       <a:lt2>
-        <a:srgbClr val="E7E6E6"/>
+        <a:srgbClr val="E8E3CE"/>
       </a:lt2>
       <a:accent1>
-        <a:srgbClr val="5B9BD5"/>
+        <a:srgbClr val="F6A21D"/>
       </a:accent1>
       <a:accent2>
-        <a:srgbClr val="ED7D31"/>
+        <a:srgbClr val="9BAFB5"/>
       </a:accent2>
       <a:accent3>
-        <a:srgbClr val="A5A5A5"/>
+        <a:srgbClr val="C96731"/>
       </a:accent3>
       <a:accent4>
-        <a:srgbClr val="FFC000"/>
+        <a:srgbClr val="9CA383"/>
       </a:accent4>
       <a:accent5>
-        <a:srgbClr val="4472C4"/>
+        <a:srgbClr val="87795D"/>
       </a:accent5>
       <a:accent6>
-        <a:srgbClr val="70AD47"/>
+        <a:srgbClr val="A0988C"/>
       </a:accent6>
       <a:hlink>
-        <a:srgbClr val="0563C1"/>
+        <a:srgbClr val="00B0F0"/>
       </a:hlink>
       <a:folHlink>
-        <a:srgbClr val="954F72"/>
+        <a:srgbClr val="738F97"/>
       </a:folHlink>
     </a:clrScheme>
-    <a:fontScheme name="Стандартная">
+    <a:fontScheme name="Parcel">
       <a:majorFont>
-        <a:latin typeface="Calibri Light" panose="020F0302020204030204"/>
+        <a:latin typeface="Gill Sans MT" panose="020B0502020104020203"/>
         <a:ea typeface=""/>
         <a:cs typeface=""/>
-        <a:font script="Jpan" typeface="游ゴシック Light"/>
-        <a:font script="Hang" typeface="맑은 고딕"/>
-        <a:font script="Hans" typeface="等线 Light"/>
-        <a:font script="Hant" typeface="新細明體"/>
-        <a:font script="Arab" typeface="Times New Roman"/>
-        <a:font script="Hebr" typeface="Times New Roman"/>
-        <a:font script="Thai" typeface="Angsana New"/>
-        <a:font script="Ethi" typeface="Nyala"/>
-        <a:font script="Beng" typeface="Vrinda"/>
-        <a:font script="Gujr" typeface="Shruti"/>
-        <a:font script="Khmr" typeface="MoolBoran"/>
-        <a:font script="Knda" typeface="Tunga"/>
-        <a:font script="Guru" typeface="Raavi"/>
-        <a:font script="Cans" typeface="Euphemia"/>
-        <a:font script="Cher" typeface="Plantagenet Cherokee"/>
-        <a:font script="Yiii" typeface="Microsoft Yi Baiti"/>
-        <a:font script="Tibt" typeface="Microsoft Himalaya"/>
-        <a:font script="Thaa" typeface="MV Boli"/>
-        <a:font script="Deva" typeface="Mangal"/>
-        <a:font script="Telu" typeface="Gautami"/>
-        <a:font script="Taml" typeface="Latha"/>
-        <a:font script="Syrc" typeface="Estrangelo Edessa"/>
-        <a:font script="Orya" typeface="Kalinga"/>
-        <a:font script="Mlym" typeface="Kartika"/>
-        <a:font script="Laoo" typeface="DokChampa"/>
-        <a:font script="Sinh" typeface="Iskoola Pota"/>
-        <a:font script="Mong" typeface="Mongolian Baiti"/>
-        <a:font script="Viet" typeface="Times New Roman"/>
-        <a:font script="Uigh" typeface="Microsoft Uighur"/>
-        <a:font script="Geor" typeface="Sylfaen"/>
-      </a:majorFont>
-      <a:minorFont>
-        <a:latin typeface="Calibri" panose="020F0502020204030204"/>
-        <a:ea typeface=""/>
-        <a:cs typeface=""/>
-        <a:font script="Jpan" typeface="游ゴシック"/>
-        <a:font script="Hang" typeface="맑은 고딕"/>
-        <a:font script="Hans" typeface="等线"/>
-        <a:font script="Hant" typeface="新細明體"/>
-        <a:font script="Arab" typeface="Arial"/>
+        <a:font script="Grek" typeface="Corbel"/>
+        <a:font script="Cyrl" typeface="Corbel"/>
+        <a:font script="Jpan" typeface="HGｺﾞｼｯｸE"/>
+        <a:font script="Hang" typeface="휴먼매직체"/>
+        <a:font script="Hans" typeface="华文中宋"/>
+        <a:font script="Hant" typeface="微軟正黑體"/>
+        <a:font script="Arab" typeface="Majalla UI"/>
         <a:font script="Hebr" typeface="Arial"/>
         <a:font script="Thai" typeface="Cordia New"/>
         <a:font script="Ethi" typeface="Nyala"/>
@@ -3383,12 +4060,49 @@
         <a:font script="Laoo" typeface="DokChampa"/>
         <a:font script="Sinh" typeface="Iskoola Pota"/>
         <a:font script="Mong" typeface="Mongolian Baiti"/>
-        <a:font script="Viet" typeface="Arial"/>
+        <a:font script="Viet" typeface="Tahoma"/>
+        <a:font script="Uigh" typeface="Microsoft Uighur"/>
+        <a:font script="Geor" typeface="Sylfaen"/>
+      </a:majorFont>
+      <a:minorFont>
+        <a:latin typeface="Gill Sans MT" panose="020B0502020104020203"/>
+        <a:ea typeface=""/>
+        <a:cs typeface=""/>
+        <a:font script="Grek" typeface="Corbel"/>
+        <a:font script="Cyrl" typeface="Corbel"/>
+        <a:font script="Jpan" typeface="HGｺﾞｼｯｸE"/>
+        <a:font script="Hang" typeface="휴먼매직체"/>
+        <a:font script="Hans" typeface="华文中宋"/>
+        <a:font script="Hant" typeface="微軟正黑體"/>
+        <a:font script="Arab" typeface="Majalla UI"/>
+        <a:font script="Hebr" typeface="Arial"/>
+        <a:font script="Thai" typeface="Cordia New"/>
+        <a:font script="Ethi" typeface="Nyala"/>
+        <a:font script="Beng" typeface="Vrinda"/>
+        <a:font script="Gujr" typeface="Shruti"/>
+        <a:font script="Khmr" typeface="DaunPenh"/>
+        <a:font script="Knda" typeface="Tunga"/>
+        <a:font script="Guru" typeface="Raavi"/>
+        <a:font script="Cans" typeface="Euphemia"/>
+        <a:font script="Cher" typeface="Plantagenet Cherokee"/>
+        <a:font script="Yiii" typeface="Microsoft Yi Baiti"/>
+        <a:font script="Tibt" typeface="Microsoft Himalaya"/>
+        <a:font script="Thaa" typeface="MV Boli"/>
+        <a:font script="Deva" typeface="Mangal"/>
+        <a:font script="Telu" typeface="Gautami"/>
+        <a:font script="Taml" typeface="Latha"/>
+        <a:font script="Syrc" typeface="Estrangelo Edessa"/>
+        <a:font script="Orya" typeface="Kalinga"/>
+        <a:font script="Mlym" typeface="Kartika"/>
+        <a:font script="Laoo" typeface="DokChampa"/>
+        <a:font script="Sinh" typeface="Iskoola Pota"/>
+        <a:font script="Mong" typeface="Mongolian Baiti"/>
+        <a:font script="Viet" typeface="Tahoma"/>
         <a:font script="Uigh" typeface="Microsoft Uighur"/>
         <a:font script="Geor" typeface="Sylfaen"/>
       </a:minorFont>
     </a:fontScheme>
-    <a:fmtScheme name="Стандартная">
+    <a:fmtScheme name="Parcel">
       <a:fillStyleLst>
         <a:solidFill>
           <a:schemeClr val="phClr"/>
@@ -3397,23 +4111,16 @@
           <a:gsLst>
             <a:gs pos="0">
               <a:schemeClr val="phClr">
-                <a:lumMod val="110000"/>
-                <a:satMod val="105000"/>
-                <a:tint val="67000"/>
-              </a:schemeClr>
-            </a:gs>
-            <a:gs pos="50000">
-              <a:schemeClr val="phClr">
-                <a:lumMod val="105000"/>
-                <a:satMod val="103000"/>
-                <a:tint val="73000"/>
+                <a:tint val="80000"/>
+                <a:satMod val="107000"/>
+                <a:lumMod val="103000"/>
               </a:schemeClr>
             </a:gs>
             <a:gs pos="100000">
               <a:schemeClr val="phClr">
-                <a:lumMod val="105000"/>
+                <a:tint val="82000"/>
                 <a:satMod val="109000"/>
-                <a:tint val="81000"/>
+                <a:lumMod val="103000"/>
               </a:schemeClr>
             </a:gs>
           </a:gsLst>
@@ -3423,23 +4130,23 @@
           <a:gsLst>
             <a:gs pos="0">
               <a:schemeClr val="phClr">
-                <a:satMod val="103000"/>
+                <a:tint val="97000"/>
+                <a:satMod val="100000"/>
                 <a:lumMod val="102000"/>
-                <a:tint val="94000"/>
               </a:schemeClr>
             </a:gs>
             <a:gs pos="50000">
               <a:schemeClr val="phClr">
-                <a:satMod val="110000"/>
+                <a:shade val="100000"/>
+                <a:satMod val="103000"/>
                 <a:lumMod val="100000"/>
-                <a:shade val="100000"/>
               </a:schemeClr>
             </a:gs>
             <a:gs pos="100000">
               <a:schemeClr val="phClr">
+                <a:shade val="93000"/>
+                <a:satMod val="110000"/>
                 <a:lumMod val="99000"/>
-                <a:satMod val="120000"/>
-                <a:shade val="78000"/>
               </a:schemeClr>
             </a:gs>
           </a:gsLst>
@@ -3452,21 +4159,18 @@
             <a:schemeClr val="phClr"/>
           </a:solidFill>
           <a:prstDash val="solid"/>
-          <a:miter lim="800000"/>
         </a:ln>
         <a:ln w="12700" cap="flat" cmpd="sng" algn="ctr">
           <a:solidFill>
             <a:schemeClr val="phClr"/>
           </a:solidFill>
           <a:prstDash val="solid"/>
-          <a:miter lim="800000"/>
         </a:ln>
-        <a:ln w="19050" cap="flat" cmpd="sng" algn="ctr">
+        <a:ln w="31750" cap="flat" cmpd="sng" algn="ctr">
           <a:solidFill>
             <a:schemeClr val="phClr"/>
           </a:solidFill>
           <a:prstDash val="solid"/>
-          <a:miter lim="800000"/>
         </a:ln>
       </a:lnStyleLst>
       <a:effectStyleLst>
@@ -3478,12 +4182,21 @@
         </a:effectStyle>
         <a:effectStyle>
           <a:effectLst>
-            <a:outerShdw blurRad="57150" dist="19050" dir="5400000" algn="ctr" rotWithShape="0">
+            <a:outerShdw blurRad="55880" dist="15240" dir="5400000" algn="ctr" rotWithShape="0">
               <a:srgbClr val="000000">
-                <a:alpha val="63000"/>
+                <a:alpha val="45000"/>
               </a:srgbClr>
             </a:outerShdw>
           </a:effectLst>
+          <a:scene3d>
+            <a:camera prst="orthographicFront">
+              <a:rot lat="0" lon="0" rev="0"/>
+            </a:camera>
+            <a:lightRig rig="brightRoom" dir="tl"/>
+          </a:scene3d>
+          <a:sp3d prstMaterial="dkEdge">
+            <a:bevelT w="0" h="0"/>
+          </a:sp3d>
         </a:effectStyle>
       </a:effectStyleLst>
       <a:bgFillStyleLst>
@@ -3500,28 +4213,24 @@
           <a:gsLst>
             <a:gs pos="0">
               <a:schemeClr val="phClr">
-                <a:tint val="93000"/>
-                <a:satMod val="150000"/>
-                <a:shade val="98000"/>
-                <a:lumMod val="102000"/>
-              </a:schemeClr>
-            </a:gs>
-            <a:gs pos="50000">
-              <a:schemeClr val="phClr">
-                <a:tint val="98000"/>
-                <a:satMod val="130000"/>
-                <a:shade val="90000"/>
-                <a:lumMod val="103000"/>
+                <a:tint val="97000"/>
+                <a:shade val="100000"/>
+                <a:satMod val="185000"/>
+                <a:lumMod val="120000"/>
               </a:schemeClr>
             </a:gs>
             <a:gs pos="100000">
               <a:schemeClr val="phClr">
-                <a:shade val="63000"/>
-                <a:satMod val="120000"/>
+                <a:tint val="96000"/>
+                <a:shade val="95000"/>
+                <a:satMod val="215000"/>
+                <a:lumMod val="80000"/>
               </a:schemeClr>
             </a:gs>
           </a:gsLst>
-          <a:lin ang="5400000" scaled="0"/>
+          <a:path path="circle">
+            <a:fillToRect l="50000" t="55000" r="125000" b="100000"/>
+          </a:path>
         </a:gradFill>
       </a:bgFillStyleLst>
     </a:fmtScheme>
@@ -3530,7 +4239,7 @@
   <a:extraClrSchemeLst/>
   <a:extLst>
     <a:ext uri="{05A4C25C-085E-4340-85A3-A5531E510DB2}">
-      <thm15:themeFamily xmlns:thm15="http://schemas.microsoft.com/office/thememl/2012/main" name="Office Theme" id="{62F939B6-93AF-4DB8-9C6B-D6C7DFDC589F}" vid="{4A3C46E8-61CC-4603-A589-7422A47A8E4A}"/>
+      <thm15:themeFamily xmlns:thm15="http://schemas.microsoft.com/office/thememl/2012/main" name="Parcel" id="{8BEC4385-4EB9-4D53-BFB5-0EA123736B6D}" vid="{4DB32801-28C0-48B0-8C1D-A9A58613615A}"/>
     </a:ext>
   </a:extLst>
 </a:theme>
